--- a/modelo apresentacao qualificacao.pptx
+++ b/modelo apresentacao qualificacao.pptx
@@ -5,11 +5,23 @@
     <p:sldMasterId id="2147483648" r:id="rId1"/>
   </p:sldMasterIdLst>
   <p:handoutMasterIdLst>
-    <p:handoutMasterId r:id="rId4"/>
+    <p:handoutMasterId r:id="rId16"/>
   </p:handoutMasterIdLst>
   <p:sldIdLst>
     <p:sldId id="258" r:id="rId2"/>
     <p:sldId id="259" r:id="rId3"/>
+    <p:sldId id="263" r:id="rId4"/>
+    <p:sldId id="264" r:id="rId5"/>
+    <p:sldId id="265" r:id="rId6"/>
+    <p:sldId id="266" r:id="rId7"/>
+    <p:sldId id="267" r:id="rId8"/>
+    <p:sldId id="268" r:id="rId9"/>
+    <p:sldId id="269" r:id="rId10"/>
+    <p:sldId id="270" r:id="rId11"/>
+    <p:sldId id="271" r:id="rId12"/>
+    <p:sldId id="272" r:id="rId13"/>
+    <p:sldId id="273" r:id="rId14"/>
+    <p:sldId id="274" r:id="rId15"/>
   </p:sldIdLst>
   <p:sldSz cx="9144000" cy="6858000" type="screen4x3"/>
   <p:notesSz cx="6858000" cy="9144000"/>
@@ -212,7 +224,7 @@
           <a:p>
             <a:fld id="{957E3F99-D12F-4954-A61D-F49FB68D10A3}" type="datetimeFigureOut">
               <a:rPr lang="pt-BR" smtClean="0"/>
-              <a:t>12/07/2018</a:t>
+              <a:t>02/08/2018</a:t>
             </a:fld>
             <a:endParaRPr lang="pt-BR"/>
           </a:p>
@@ -358,7 +370,7 @@
           <a:p>
             <a:fld id="{2E60D82F-4EDC-49F1-9B28-C237C8B75C57}" type="datetimeFigureOut">
               <a:rPr lang="pt-BR" smtClean="0"/>
-              <a:t>12/07/2018</a:t>
+              <a:t>02/08/2018</a:t>
             </a:fld>
             <a:endParaRPr lang="pt-BR"/>
           </a:p>
@@ -542,7 +554,7 @@
           <a:p>
             <a:fld id="{2E60D82F-4EDC-49F1-9B28-C237C8B75C57}" type="datetimeFigureOut">
               <a:rPr lang="pt-BR" smtClean="0"/>
-              <a:t>12/07/2018</a:t>
+              <a:t>02/08/2018</a:t>
             </a:fld>
             <a:endParaRPr lang="pt-BR"/>
           </a:p>
@@ -719,7 +731,7 @@
           <a:p>
             <a:fld id="{2E60D82F-4EDC-49F1-9B28-C237C8B75C57}" type="datetimeFigureOut">
               <a:rPr lang="pt-BR" smtClean="0"/>
-              <a:t>12/07/2018</a:t>
+              <a:t>02/08/2018</a:t>
             </a:fld>
             <a:endParaRPr lang="pt-BR"/>
           </a:p>
@@ -866,7 +878,7 @@
           <a:p>
             <a:fld id="{2E60D82F-4EDC-49F1-9B28-C237C8B75C57}" type="datetimeFigureOut">
               <a:rPr lang="pt-BR" smtClean="0"/>
-              <a:t>12/07/2018</a:t>
+              <a:t>02/08/2018</a:t>
             </a:fld>
             <a:endParaRPr lang="pt-BR"/>
           </a:p>
@@ -1107,7 +1119,7 @@
           <a:p>
             <a:fld id="{2E60D82F-4EDC-49F1-9B28-C237C8B75C57}" type="datetimeFigureOut">
               <a:rPr lang="pt-BR" smtClean="0"/>
-              <a:t>12/07/2018</a:t>
+              <a:t>02/08/2018</a:t>
             </a:fld>
             <a:endParaRPr lang="pt-BR"/>
           </a:p>
@@ -1914,6 +1926,2166 @@
 </p:sld>
 </file>
 
+<file path=ppt/slides/slide10.xml><?xml version="1.0" encoding="utf-8"?>
+<p:sld xmlns:a="http://schemas.openxmlformats.org/drawingml/2006/main" xmlns:r="http://schemas.openxmlformats.org/officeDocument/2006/relationships" xmlns:p="http://schemas.openxmlformats.org/presentationml/2006/main">
+  <p:cSld>
+    <p:spTree>
+      <p:nvGrpSpPr>
+        <p:cNvPr id="1" name=""/>
+        <p:cNvGrpSpPr/>
+        <p:nvPr/>
+      </p:nvGrpSpPr>
+      <p:grpSpPr>
+        <a:xfrm>
+          <a:off x="0" y="0"/>
+          <a:ext cx="0" cy="0"/>
+          <a:chOff x="0" y="0"/>
+          <a:chExt cx="0" cy="0"/>
+        </a:xfrm>
+      </p:grpSpPr>
+      <p:pic>
+        <p:nvPicPr>
+          <p:cNvPr id="3" name="Picture 2"/>
+          <p:cNvPicPr>
+            <a:picLocks noChangeAspect="1" noChangeArrowheads="1"/>
+          </p:cNvPicPr>
+          <p:nvPr/>
+        </p:nvPicPr>
+        <p:blipFill>
+          <a:blip r:embed="rId2">
+            <a:extLst>
+              <a:ext uri="{28A0092B-C50C-407E-A947-70E740481C1C}">
+                <a14:useLocalDpi xmlns:a14="http://schemas.microsoft.com/office/drawing/2010/main" val="0"/>
+              </a:ext>
+            </a:extLst>
+          </a:blip>
+          <a:srcRect/>
+          <a:stretch>
+            <a:fillRect/>
+          </a:stretch>
+        </p:blipFill>
+        <p:spPr bwMode="auto">
+          <a:xfrm>
+            <a:off x="2051720" y="5877272"/>
+            <a:ext cx="1728192" cy="760648"/>
+          </a:xfrm>
+          <a:prstGeom prst="rect">
+            <a:avLst/>
+          </a:prstGeom>
+          <a:noFill/>
+          <a:ln>
+            <a:noFill/>
+          </a:ln>
+          <a:effectLst/>
+          <a:extLst>
+            <a:ext uri="{909E8E84-426E-40DD-AFC4-6F175D3DCCD1}">
+              <a14:hiddenFill xmlns:a14="http://schemas.microsoft.com/office/drawing/2010/main">
+                <a:solidFill>
+                  <a:schemeClr val="accent1"/>
+                </a:solidFill>
+              </a14:hiddenFill>
+            </a:ext>
+            <a:ext uri="{91240B29-F687-4F45-9708-019B960494DF}">
+              <a14:hiddenLine xmlns:a14="http://schemas.microsoft.com/office/drawing/2010/main" w="9525">
+                <a:solidFill>
+                  <a:schemeClr val="tx1"/>
+                </a:solidFill>
+                <a:miter lim="800000"/>
+                <a:headEnd/>
+                <a:tailEnd/>
+              </a14:hiddenLine>
+            </a:ext>
+            <a:ext uri="{AF507438-7753-43E0-B8FC-AC1667EBCBE1}">
+              <a14:hiddenEffects xmlns:a14="http://schemas.microsoft.com/office/drawing/2010/main">
+                <a:effectLst>
+                  <a:outerShdw dist="35921" dir="2700000" algn="ctr" rotWithShape="0">
+                    <a:schemeClr val="bg2"/>
+                  </a:outerShdw>
+                </a:effectLst>
+              </a14:hiddenEffects>
+            </a:ext>
+          </a:extLst>
+        </p:spPr>
+      </p:pic>
+      <p:sp>
+        <p:nvSpPr>
+          <p:cNvPr id="4" name="Título 1"/>
+          <p:cNvSpPr>
+            <a:spLocks noGrp="1"/>
+          </p:cNvSpPr>
+          <p:nvPr>
+            <p:ph type="title"/>
+          </p:nvPr>
+        </p:nvSpPr>
+        <p:spPr>
+          <a:xfrm>
+            <a:off x="251520" y="764704"/>
+            <a:ext cx="8640960" cy="720080"/>
+          </a:xfrm>
+        </p:spPr>
+        <p:txBody>
+          <a:bodyPr>
+            <a:normAutofit fontScale="90000"/>
+          </a:bodyPr>
+          <a:lstStyle/>
+          <a:p>
+            <a:r>
+              <a:rPr lang="pt-BR" b="1" dirty="0"/>
+              <a:t>REQUISITOS DO SISTEMA	</a:t>
+            </a:r>
+            <a:br>
+              <a:rPr lang="pt-BR" b="1" dirty="0"/>
+            </a:br>
+            <a:r>
+              <a:rPr lang="pt-BR" sz="4000" dirty="0"/>
+              <a:t>Representação e documentação dos diagramas de casos de uso</a:t>
+            </a:r>
+          </a:p>
+        </p:txBody>
+      </p:sp>
+      <p:sp>
+        <p:nvSpPr>
+          <p:cNvPr id="5" name="Espaço Reservado para Conteúdo 2"/>
+          <p:cNvSpPr txBox="1">
+            <a:spLocks/>
+          </p:cNvSpPr>
+          <p:nvPr/>
+        </p:nvSpPr>
+        <p:spPr>
+          <a:xfrm>
+            <a:off x="1115616" y="1988840"/>
+            <a:ext cx="7776864" cy="3744863"/>
+          </a:xfrm>
+          <a:prstGeom prst="rect">
+            <a:avLst/>
+          </a:prstGeom>
+        </p:spPr>
+        <p:txBody>
+          <a:bodyPr/>
+          <a:lstStyle>
+            <a:lvl1pPr marL="342900" indent="-342900" algn="l" defTabSz="914400" rtl="0" eaLnBrk="1" latinLnBrk="0" hangingPunct="1">
+              <a:spcBef>
+                <a:spcPct val="20000"/>
+              </a:spcBef>
+              <a:buFont typeface="Arial" pitchFamily="34" charset="0"/>
+              <a:buChar char="•"/>
+              <a:defRPr sz="3200" kern="1200">
+                <a:solidFill>
+                  <a:schemeClr val="tx1"/>
+                </a:solidFill>
+                <a:latin typeface="+mn-lt"/>
+                <a:ea typeface="+mn-ea"/>
+                <a:cs typeface="+mn-cs"/>
+              </a:defRPr>
+            </a:lvl1pPr>
+            <a:lvl2pPr marL="742950" indent="-285750" algn="l" defTabSz="914400" rtl="0" eaLnBrk="1" latinLnBrk="0" hangingPunct="1">
+              <a:spcBef>
+                <a:spcPct val="20000"/>
+              </a:spcBef>
+              <a:buFont typeface="Arial" pitchFamily="34" charset="0"/>
+              <a:buChar char="–"/>
+              <a:defRPr sz="2800" kern="1200">
+                <a:solidFill>
+                  <a:schemeClr val="tx1"/>
+                </a:solidFill>
+                <a:latin typeface="+mn-lt"/>
+                <a:ea typeface="+mn-ea"/>
+                <a:cs typeface="+mn-cs"/>
+              </a:defRPr>
+            </a:lvl2pPr>
+            <a:lvl3pPr marL="1143000" indent="-228600" algn="l" defTabSz="914400" rtl="0" eaLnBrk="1" latinLnBrk="0" hangingPunct="1">
+              <a:spcBef>
+                <a:spcPct val="20000"/>
+              </a:spcBef>
+              <a:buFont typeface="Arial" pitchFamily="34" charset="0"/>
+              <a:buChar char="•"/>
+              <a:defRPr sz="2400" kern="1200">
+                <a:solidFill>
+                  <a:schemeClr val="tx1"/>
+                </a:solidFill>
+                <a:latin typeface="+mn-lt"/>
+                <a:ea typeface="+mn-ea"/>
+                <a:cs typeface="+mn-cs"/>
+              </a:defRPr>
+            </a:lvl3pPr>
+            <a:lvl4pPr marL="1600200" indent="-228600" algn="l" defTabSz="914400" rtl="0" eaLnBrk="1" latinLnBrk="0" hangingPunct="1">
+              <a:spcBef>
+                <a:spcPct val="20000"/>
+              </a:spcBef>
+              <a:buFont typeface="Arial" pitchFamily="34" charset="0"/>
+              <a:buChar char="–"/>
+              <a:defRPr sz="2000" kern="1200">
+                <a:solidFill>
+                  <a:schemeClr val="tx1"/>
+                </a:solidFill>
+                <a:latin typeface="+mn-lt"/>
+                <a:ea typeface="+mn-ea"/>
+                <a:cs typeface="+mn-cs"/>
+              </a:defRPr>
+            </a:lvl4pPr>
+            <a:lvl5pPr marL="2057400" indent="-228600" algn="l" defTabSz="914400" rtl="0" eaLnBrk="1" latinLnBrk="0" hangingPunct="1">
+              <a:spcBef>
+                <a:spcPct val="20000"/>
+              </a:spcBef>
+              <a:buFont typeface="Arial" pitchFamily="34" charset="0"/>
+              <a:buChar char="»"/>
+              <a:defRPr sz="2000" kern="1200">
+                <a:solidFill>
+                  <a:schemeClr val="tx1"/>
+                </a:solidFill>
+                <a:latin typeface="+mn-lt"/>
+                <a:ea typeface="+mn-ea"/>
+                <a:cs typeface="+mn-cs"/>
+              </a:defRPr>
+            </a:lvl5pPr>
+            <a:lvl6pPr marL="2514600" indent="-228600" algn="l" defTabSz="914400" rtl="0" eaLnBrk="1" latinLnBrk="0" hangingPunct="1">
+              <a:spcBef>
+                <a:spcPct val="20000"/>
+              </a:spcBef>
+              <a:buFont typeface="Arial" pitchFamily="34" charset="0"/>
+              <a:buChar char="•"/>
+              <a:defRPr sz="2000" kern="1200">
+                <a:solidFill>
+                  <a:schemeClr val="tx1"/>
+                </a:solidFill>
+                <a:latin typeface="+mn-lt"/>
+                <a:ea typeface="+mn-ea"/>
+                <a:cs typeface="+mn-cs"/>
+              </a:defRPr>
+            </a:lvl6pPr>
+            <a:lvl7pPr marL="2971800" indent="-228600" algn="l" defTabSz="914400" rtl="0" eaLnBrk="1" latinLnBrk="0" hangingPunct="1">
+              <a:spcBef>
+                <a:spcPct val="20000"/>
+              </a:spcBef>
+              <a:buFont typeface="Arial" pitchFamily="34" charset="0"/>
+              <a:buChar char="•"/>
+              <a:defRPr sz="2000" kern="1200">
+                <a:solidFill>
+                  <a:schemeClr val="tx1"/>
+                </a:solidFill>
+                <a:latin typeface="+mn-lt"/>
+                <a:ea typeface="+mn-ea"/>
+                <a:cs typeface="+mn-cs"/>
+              </a:defRPr>
+            </a:lvl7pPr>
+            <a:lvl8pPr marL="3429000" indent="-228600" algn="l" defTabSz="914400" rtl="0" eaLnBrk="1" latinLnBrk="0" hangingPunct="1">
+              <a:spcBef>
+                <a:spcPct val="20000"/>
+              </a:spcBef>
+              <a:buFont typeface="Arial" pitchFamily="34" charset="0"/>
+              <a:buChar char="•"/>
+              <a:defRPr sz="2000" kern="1200">
+                <a:solidFill>
+                  <a:schemeClr val="tx1"/>
+                </a:solidFill>
+                <a:latin typeface="+mn-lt"/>
+                <a:ea typeface="+mn-ea"/>
+                <a:cs typeface="+mn-cs"/>
+              </a:defRPr>
+            </a:lvl8pPr>
+            <a:lvl9pPr marL="3886200" indent="-228600" algn="l" defTabSz="914400" rtl="0" eaLnBrk="1" latinLnBrk="0" hangingPunct="1">
+              <a:spcBef>
+                <a:spcPct val="20000"/>
+              </a:spcBef>
+              <a:buFont typeface="Arial" pitchFamily="34" charset="0"/>
+              <a:buChar char="•"/>
+              <a:defRPr sz="2000" kern="1200">
+                <a:solidFill>
+                  <a:schemeClr val="tx1"/>
+                </a:solidFill>
+                <a:latin typeface="+mn-lt"/>
+                <a:ea typeface="+mn-ea"/>
+                <a:cs typeface="+mn-cs"/>
+              </a:defRPr>
+            </a:lvl9pPr>
+          </a:lstStyle>
+          <a:p>
+            <a:pPr>
+              <a:buNone/>
+            </a:pPr>
+            <a:r>
+              <a:rPr lang="pt-BR" sz="1600" b="1" dirty="0"/>
+              <a:t>1 INTRODUÇÃO</a:t>
+            </a:r>
+          </a:p>
+          <a:p>
+            <a:pPr>
+              <a:buNone/>
+            </a:pPr>
+            <a:r>
+              <a:rPr lang="pt-BR" sz="1600" b="1" dirty="0"/>
+              <a:t>2 LEVANTAMENTO DE REQUISITOS</a:t>
+            </a:r>
+          </a:p>
+          <a:p>
+            <a:pPr>
+              <a:buNone/>
+            </a:pPr>
+            <a:r>
+              <a:rPr lang="pt-BR" sz="1600" dirty="0"/>
+              <a:t>2.1 Empresa</a:t>
+            </a:r>
+          </a:p>
+          <a:p>
+            <a:pPr>
+              <a:buNone/>
+            </a:pPr>
+            <a:r>
+              <a:rPr lang="pt-BR" sz="1600" dirty="0"/>
+              <a:t>2.2 Problemas identificados</a:t>
+            </a:r>
+          </a:p>
+          <a:p>
+            <a:pPr>
+              <a:buNone/>
+            </a:pPr>
+            <a:r>
+              <a:rPr lang="pt-BR" sz="1600" dirty="0"/>
+              <a:t>2.3 Propósito do sistema</a:t>
+            </a:r>
+          </a:p>
+          <a:p>
+            <a:pPr>
+              <a:buNone/>
+            </a:pPr>
+            <a:r>
+              <a:rPr lang="pt-BR" sz="1600" b="1" dirty="0"/>
+              <a:t>3 REQUISITOS DO SISTEMA	</a:t>
+            </a:r>
+          </a:p>
+          <a:p>
+            <a:pPr>
+              <a:buNone/>
+            </a:pPr>
+            <a:r>
+              <a:rPr lang="pt-BR" sz="1600" dirty="0"/>
+              <a:t>3.1 Lista de atores do sistema</a:t>
+            </a:r>
+          </a:p>
+          <a:p>
+            <a:pPr>
+              <a:buNone/>
+            </a:pPr>
+            <a:r>
+              <a:rPr lang="pt-BR" sz="1600" dirty="0"/>
+              <a:t>3.2 Lista de casos de uso</a:t>
+            </a:r>
+          </a:p>
+          <a:p>
+            <a:pPr>
+              <a:buNone/>
+            </a:pPr>
+            <a:r>
+              <a:rPr lang="pt-BR" sz="1600" dirty="0"/>
+              <a:t>3.3 Diagrama de contexto do sistema</a:t>
+            </a:r>
+          </a:p>
+          <a:p>
+            <a:pPr>
+              <a:buNone/>
+            </a:pPr>
+            <a:r>
+              <a:rPr lang="pt-BR" sz="1600" dirty="0"/>
+              <a:t>3.4 Representação e documentação dos diagramas de casos de uso (até 3)</a:t>
+            </a:r>
+          </a:p>
+          <a:p>
+            <a:pPr>
+              <a:buNone/>
+            </a:pPr>
+            <a:r>
+              <a:rPr lang="pt-BR" sz="1600" b="1" dirty="0"/>
+              <a:t>4 ANÁLISE ORIENTADA A OBJETO</a:t>
+            </a:r>
+          </a:p>
+          <a:p>
+            <a:pPr>
+              <a:buNone/>
+            </a:pPr>
+            <a:r>
+              <a:rPr lang="pt-BR" sz="1600" dirty="0"/>
+              <a:t>4.1 Diagrama de classes</a:t>
+            </a:r>
+          </a:p>
+          <a:p>
+            <a:pPr>
+              <a:buNone/>
+            </a:pPr>
+            <a:r>
+              <a:rPr lang="pt-BR" sz="1600" dirty="0"/>
+              <a:t>4.2 Diagrama de sequências (até 3)</a:t>
+            </a:r>
+          </a:p>
+          <a:p>
+            <a:pPr>
+              <a:buNone/>
+            </a:pPr>
+            <a:r>
+              <a:rPr lang="pt-BR" sz="1600" b="1" dirty="0"/>
+              <a:t>5 ESPECIFICAÇÃO DOS LAYOUTS</a:t>
+            </a:r>
+          </a:p>
+          <a:p>
+            <a:pPr>
+              <a:buNone/>
+            </a:pPr>
+            <a:r>
+              <a:rPr lang="pt-BR" sz="1600" dirty="0"/>
+              <a:t>5.1 Layout da página principal</a:t>
+            </a:r>
+          </a:p>
+          <a:p>
+            <a:pPr>
+              <a:buNone/>
+            </a:pPr>
+            <a:r>
+              <a:rPr lang="pt-BR" sz="1600" dirty="0"/>
+              <a:t>5.2 Mapa do site</a:t>
+            </a:r>
+          </a:p>
+        </p:txBody>
+      </p:sp>
+    </p:spTree>
+    <p:extLst>
+      <p:ext uri="{BB962C8B-B14F-4D97-AF65-F5344CB8AC3E}">
+        <p14:creationId xmlns:p14="http://schemas.microsoft.com/office/powerpoint/2010/main" val="3049977515"/>
+      </p:ext>
+    </p:extLst>
+  </p:cSld>
+  <p:clrMapOvr>
+    <a:masterClrMapping/>
+  </p:clrMapOvr>
+</p:sld>
+</file>
+
+<file path=ppt/slides/slide11.xml><?xml version="1.0" encoding="utf-8"?>
+<p:sld xmlns:a="http://schemas.openxmlformats.org/drawingml/2006/main" xmlns:r="http://schemas.openxmlformats.org/officeDocument/2006/relationships" xmlns:p="http://schemas.openxmlformats.org/presentationml/2006/main">
+  <p:cSld>
+    <p:spTree>
+      <p:nvGrpSpPr>
+        <p:cNvPr id="1" name=""/>
+        <p:cNvGrpSpPr/>
+        <p:nvPr/>
+      </p:nvGrpSpPr>
+      <p:grpSpPr>
+        <a:xfrm>
+          <a:off x="0" y="0"/>
+          <a:ext cx="0" cy="0"/>
+          <a:chOff x="0" y="0"/>
+          <a:chExt cx="0" cy="0"/>
+        </a:xfrm>
+      </p:grpSpPr>
+      <p:pic>
+        <p:nvPicPr>
+          <p:cNvPr id="3" name="Picture 2"/>
+          <p:cNvPicPr>
+            <a:picLocks noChangeAspect="1" noChangeArrowheads="1"/>
+          </p:cNvPicPr>
+          <p:nvPr/>
+        </p:nvPicPr>
+        <p:blipFill>
+          <a:blip r:embed="rId2">
+            <a:extLst>
+              <a:ext uri="{28A0092B-C50C-407E-A947-70E740481C1C}">
+                <a14:useLocalDpi xmlns:a14="http://schemas.microsoft.com/office/drawing/2010/main" val="0"/>
+              </a:ext>
+            </a:extLst>
+          </a:blip>
+          <a:srcRect/>
+          <a:stretch>
+            <a:fillRect/>
+          </a:stretch>
+        </p:blipFill>
+        <p:spPr bwMode="auto">
+          <a:xfrm>
+            <a:off x="2051720" y="5877272"/>
+            <a:ext cx="1728192" cy="760648"/>
+          </a:xfrm>
+          <a:prstGeom prst="rect">
+            <a:avLst/>
+          </a:prstGeom>
+          <a:noFill/>
+          <a:ln>
+            <a:noFill/>
+          </a:ln>
+          <a:effectLst/>
+          <a:extLst>
+            <a:ext uri="{909E8E84-426E-40DD-AFC4-6F175D3DCCD1}">
+              <a14:hiddenFill xmlns:a14="http://schemas.microsoft.com/office/drawing/2010/main">
+                <a:solidFill>
+                  <a:schemeClr val="accent1"/>
+                </a:solidFill>
+              </a14:hiddenFill>
+            </a:ext>
+            <a:ext uri="{91240B29-F687-4F45-9708-019B960494DF}">
+              <a14:hiddenLine xmlns:a14="http://schemas.microsoft.com/office/drawing/2010/main" w="9525">
+                <a:solidFill>
+                  <a:schemeClr val="tx1"/>
+                </a:solidFill>
+                <a:miter lim="800000"/>
+                <a:headEnd/>
+                <a:tailEnd/>
+              </a14:hiddenLine>
+            </a:ext>
+            <a:ext uri="{AF507438-7753-43E0-B8FC-AC1667EBCBE1}">
+              <a14:hiddenEffects xmlns:a14="http://schemas.microsoft.com/office/drawing/2010/main">
+                <a:effectLst>
+                  <a:outerShdw dist="35921" dir="2700000" algn="ctr" rotWithShape="0">
+                    <a:schemeClr val="bg2"/>
+                  </a:outerShdw>
+                </a:effectLst>
+              </a14:hiddenEffects>
+            </a:ext>
+          </a:extLst>
+        </p:spPr>
+      </p:pic>
+      <p:sp>
+        <p:nvSpPr>
+          <p:cNvPr id="4" name="Título 1"/>
+          <p:cNvSpPr>
+            <a:spLocks noGrp="1"/>
+          </p:cNvSpPr>
+          <p:nvPr>
+            <p:ph type="title"/>
+          </p:nvPr>
+        </p:nvSpPr>
+        <p:spPr>
+          <a:xfrm>
+            <a:off x="251520" y="332656"/>
+            <a:ext cx="8640960" cy="1152128"/>
+          </a:xfrm>
+        </p:spPr>
+        <p:txBody>
+          <a:bodyPr>
+            <a:normAutofit fontScale="90000"/>
+          </a:bodyPr>
+          <a:lstStyle/>
+          <a:p>
+            <a:r>
+              <a:rPr lang="pt-BR" b="1" dirty="0"/>
+              <a:t>ANÁLISE ORIENTADA A OBJETO</a:t>
+            </a:r>
+            <a:br>
+              <a:rPr lang="pt-BR" b="1" dirty="0"/>
+            </a:br>
+            <a:r>
+              <a:rPr lang="pt-BR" dirty="0"/>
+              <a:t>Diagrama de classes</a:t>
+            </a:r>
+          </a:p>
+        </p:txBody>
+      </p:sp>
+      <p:sp>
+        <p:nvSpPr>
+          <p:cNvPr id="5" name="Espaço Reservado para Conteúdo 2"/>
+          <p:cNvSpPr txBox="1">
+            <a:spLocks/>
+          </p:cNvSpPr>
+          <p:nvPr/>
+        </p:nvSpPr>
+        <p:spPr>
+          <a:xfrm>
+            <a:off x="1115616" y="1988840"/>
+            <a:ext cx="7776864" cy="3744863"/>
+          </a:xfrm>
+          <a:prstGeom prst="rect">
+            <a:avLst/>
+          </a:prstGeom>
+        </p:spPr>
+        <p:txBody>
+          <a:bodyPr/>
+          <a:lstStyle>
+            <a:lvl1pPr marL="342900" indent="-342900" algn="l" defTabSz="914400" rtl="0" eaLnBrk="1" latinLnBrk="0" hangingPunct="1">
+              <a:spcBef>
+                <a:spcPct val="20000"/>
+              </a:spcBef>
+              <a:buFont typeface="Arial" pitchFamily="34" charset="0"/>
+              <a:buChar char="•"/>
+              <a:defRPr sz="3200" kern="1200">
+                <a:solidFill>
+                  <a:schemeClr val="tx1"/>
+                </a:solidFill>
+                <a:latin typeface="+mn-lt"/>
+                <a:ea typeface="+mn-ea"/>
+                <a:cs typeface="+mn-cs"/>
+              </a:defRPr>
+            </a:lvl1pPr>
+            <a:lvl2pPr marL="742950" indent="-285750" algn="l" defTabSz="914400" rtl="0" eaLnBrk="1" latinLnBrk="0" hangingPunct="1">
+              <a:spcBef>
+                <a:spcPct val="20000"/>
+              </a:spcBef>
+              <a:buFont typeface="Arial" pitchFamily="34" charset="0"/>
+              <a:buChar char="–"/>
+              <a:defRPr sz="2800" kern="1200">
+                <a:solidFill>
+                  <a:schemeClr val="tx1"/>
+                </a:solidFill>
+                <a:latin typeface="+mn-lt"/>
+                <a:ea typeface="+mn-ea"/>
+                <a:cs typeface="+mn-cs"/>
+              </a:defRPr>
+            </a:lvl2pPr>
+            <a:lvl3pPr marL="1143000" indent="-228600" algn="l" defTabSz="914400" rtl="0" eaLnBrk="1" latinLnBrk="0" hangingPunct="1">
+              <a:spcBef>
+                <a:spcPct val="20000"/>
+              </a:spcBef>
+              <a:buFont typeface="Arial" pitchFamily="34" charset="0"/>
+              <a:buChar char="•"/>
+              <a:defRPr sz="2400" kern="1200">
+                <a:solidFill>
+                  <a:schemeClr val="tx1"/>
+                </a:solidFill>
+                <a:latin typeface="+mn-lt"/>
+                <a:ea typeface="+mn-ea"/>
+                <a:cs typeface="+mn-cs"/>
+              </a:defRPr>
+            </a:lvl3pPr>
+            <a:lvl4pPr marL="1600200" indent="-228600" algn="l" defTabSz="914400" rtl="0" eaLnBrk="1" latinLnBrk="0" hangingPunct="1">
+              <a:spcBef>
+                <a:spcPct val="20000"/>
+              </a:spcBef>
+              <a:buFont typeface="Arial" pitchFamily="34" charset="0"/>
+              <a:buChar char="–"/>
+              <a:defRPr sz="2000" kern="1200">
+                <a:solidFill>
+                  <a:schemeClr val="tx1"/>
+                </a:solidFill>
+                <a:latin typeface="+mn-lt"/>
+                <a:ea typeface="+mn-ea"/>
+                <a:cs typeface="+mn-cs"/>
+              </a:defRPr>
+            </a:lvl4pPr>
+            <a:lvl5pPr marL="2057400" indent="-228600" algn="l" defTabSz="914400" rtl="0" eaLnBrk="1" latinLnBrk="0" hangingPunct="1">
+              <a:spcBef>
+                <a:spcPct val="20000"/>
+              </a:spcBef>
+              <a:buFont typeface="Arial" pitchFamily="34" charset="0"/>
+              <a:buChar char="»"/>
+              <a:defRPr sz="2000" kern="1200">
+                <a:solidFill>
+                  <a:schemeClr val="tx1"/>
+                </a:solidFill>
+                <a:latin typeface="+mn-lt"/>
+                <a:ea typeface="+mn-ea"/>
+                <a:cs typeface="+mn-cs"/>
+              </a:defRPr>
+            </a:lvl5pPr>
+            <a:lvl6pPr marL="2514600" indent="-228600" algn="l" defTabSz="914400" rtl="0" eaLnBrk="1" latinLnBrk="0" hangingPunct="1">
+              <a:spcBef>
+                <a:spcPct val="20000"/>
+              </a:spcBef>
+              <a:buFont typeface="Arial" pitchFamily="34" charset="0"/>
+              <a:buChar char="•"/>
+              <a:defRPr sz="2000" kern="1200">
+                <a:solidFill>
+                  <a:schemeClr val="tx1"/>
+                </a:solidFill>
+                <a:latin typeface="+mn-lt"/>
+                <a:ea typeface="+mn-ea"/>
+                <a:cs typeface="+mn-cs"/>
+              </a:defRPr>
+            </a:lvl6pPr>
+            <a:lvl7pPr marL="2971800" indent="-228600" algn="l" defTabSz="914400" rtl="0" eaLnBrk="1" latinLnBrk="0" hangingPunct="1">
+              <a:spcBef>
+                <a:spcPct val="20000"/>
+              </a:spcBef>
+              <a:buFont typeface="Arial" pitchFamily="34" charset="0"/>
+              <a:buChar char="•"/>
+              <a:defRPr sz="2000" kern="1200">
+                <a:solidFill>
+                  <a:schemeClr val="tx1"/>
+                </a:solidFill>
+                <a:latin typeface="+mn-lt"/>
+                <a:ea typeface="+mn-ea"/>
+                <a:cs typeface="+mn-cs"/>
+              </a:defRPr>
+            </a:lvl7pPr>
+            <a:lvl8pPr marL="3429000" indent="-228600" algn="l" defTabSz="914400" rtl="0" eaLnBrk="1" latinLnBrk="0" hangingPunct="1">
+              <a:spcBef>
+                <a:spcPct val="20000"/>
+              </a:spcBef>
+              <a:buFont typeface="Arial" pitchFamily="34" charset="0"/>
+              <a:buChar char="•"/>
+              <a:defRPr sz="2000" kern="1200">
+                <a:solidFill>
+                  <a:schemeClr val="tx1"/>
+                </a:solidFill>
+                <a:latin typeface="+mn-lt"/>
+                <a:ea typeface="+mn-ea"/>
+                <a:cs typeface="+mn-cs"/>
+              </a:defRPr>
+            </a:lvl8pPr>
+            <a:lvl9pPr marL="3886200" indent="-228600" algn="l" defTabSz="914400" rtl="0" eaLnBrk="1" latinLnBrk="0" hangingPunct="1">
+              <a:spcBef>
+                <a:spcPct val="20000"/>
+              </a:spcBef>
+              <a:buFont typeface="Arial" pitchFamily="34" charset="0"/>
+              <a:buChar char="•"/>
+              <a:defRPr sz="2000" kern="1200">
+                <a:solidFill>
+                  <a:schemeClr val="tx1"/>
+                </a:solidFill>
+                <a:latin typeface="+mn-lt"/>
+                <a:ea typeface="+mn-ea"/>
+                <a:cs typeface="+mn-cs"/>
+              </a:defRPr>
+            </a:lvl9pPr>
+          </a:lstStyle>
+          <a:p>
+            <a:pPr>
+              <a:buNone/>
+            </a:pPr>
+            <a:r>
+              <a:rPr lang="pt-BR" sz="1600" b="1" dirty="0"/>
+              <a:t>1 INTRODUÇÃO</a:t>
+            </a:r>
+          </a:p>
+          <a:p>
+            <a:pPr>
+              <a:buNone/>
+            </a:pPr>
+            <a:r>
+              <a:rPr lang="pt-BR" sz="1600" b="1" dirty="0"/>
+              <a:t>2 LEVANTAMENTO DE REQUISITOS</a:t>
+            </a:r>
+          </a:p>
+          <a:p>
+            <a:pPr>
+              <a:buNone/>
+            </a:pPr>
+            <a:r>
+              <a:rPr lang="pt-BR" sz="1600" dirty="0"/>
+              <a:t>2.1 Empresa</a:t>
+            </a:r>
+          </a:p>
+          <a:p>
+            <a:pPr>
+              <a:buNone/>
+            </a:pPr>
+            <a:r>
+              <a:rPr lang="pt-BR" sz="1600" dirty="0"/>
+              <a:t>2.2 Problemas identificados</a:t>
+            </a:r>
+          </a:p>
+          <a:p>
+            <a:pPr>
+              <a:buNone/>
+            </a:pPr>
+            <a:r>
+              <a:rPr lang="pt-BR" sz="1600" dirty="0"/>
+              <a:t>2.3 Propósito do sistema</a:t>
+            </a:r>
+          </a:p>
+          <a:p>
+            <a:pPr>
+              <a:buNone/>
+            </a:pPr>
+            <a:r>
+              <a:rPr lang="pt-BR" sz="1600" b="1" dirty="0"/>
+              <a:t>3 REQUISITOS DO SISTEMA	</a:t>
+            </a:r>
+          </a:p>
+          <a:p>
+            <a:pPr>
+              <a:buNone/>
+            </a:pPr>
+            <a:r>
+              <a:rPr lang="pt-BR" sz="1600" dirty="0"/>
+              <a:t>3.1 Lista de atores do sistema</a:t>
+            </a:r>
+          </a:p>
+          <a:p>
+            <a:pPr>
+              <a:buNone/>
+            </a:pPr>
+            <a:r>
+              <a:rPr lang="pt-BR" sz="1600" dirty="0"/>
+              <a:t>3.2 Lista de casos de uso</a:t>
+            </a:r>
+          </a:p>
+          <a:p>
+            <a:pPr>
+              <a:buNone/>
+            </a:pPr>
+            <a:r>
+              <a:rPr lang="pt-BR" sz="1600" dirty="0"/>
+              <a:t>3.3 Diagrama de contexto do sistema</a:t>
+            </a:r>
+          </a:p>
+          <a:p>
+            <a:pPr>
+              <a:buNone/>
+            </a:pPr>
+            <a:r>
+              <a:rPr lang="pt-BR" sz="1600" dirty="0"/>
+              <a:t>3.4 Representação e documentação dos diagramas de casos de uso (até 3)</a:t>
+            </a:r>
+          </a:p>
+          <a:p>
+            <a:pPr>
+              <a:buNone/>
+            </a:pPr>
+            <a:r>
+              <a:rPr lang="pt-BR" sz="1600" b="1" dirty="0"/>
+              <a:t>4 ANÁLISE ORIENTADA A OBJETO</a:t>
+            </a:r>
+          </a:p>
+          <a:p>
+            <a:pPr>
+              <a:buNone/>
+            </a:pPr>
+            <a:r>
+              <a:rPr lang="pt-BR" sz="1600" dirty="0"/>
+              <a:t>4.1 Diagrama de classes</a:t>
+            </a:r>
+          </a:p>
+          <a:p>
+            <a:pPr>
+              <a:buNone/>
+            </a:pPr>
+            <a:r>
+              <a:rPr lang="pt-BR" sz="1600" dirty="0"/>
+              <a:t>4.2 Diagrama de sequências (até 3)</a:t>
+            </a:r>
+          </a:p>
+          <a:p>
+            <a:pPr>
+              <a:buNone/>
+            </a:pPr>
+            <a:r>
+              <a:rPr lang="pt-BR" sz="1600" b="1" dirty="0"/>
+              <a:t>5 ESPECIFICAÇÃO DOS LAYOUTS</a:t>
+            </a:r>
+          </a:p>
+          <a:p>
+            <a:pPr>
+              <a:buNone/>
+            </a:pPr>
+            <a:r>
+              <a:rPr lang="pt-BR" sz="1600" dirty="0"/>
+              <a:t>5.1 Layout da página principal</a:t>
+            </a:r>
+          </a:p>
+          <a:p>
+            <a:pPr>
+              <a:buNone/>
+            </a:pPr>
+            <a:r>
+              <a:rPr lang="pt-BR" sz="1600" dirty="0"/>
+              <a:t>5.2 Mapa do site</a:t>
+            </a:r>
+          </a:p>
+        </p:txBody>
+      </p:sp>
+    </p:spTree>
+    <p:extLst>
+      <p:ext uri="{BB962C8B-B14F-4D97-AF65-F5344CB8AC3E}">
+        <p14:creationId xmlns:p14="http://schemas.microsoft.com/office/powerpoint/2010/main" val="154256573"/>
+      </p:ext>
+    </p:extLst>
+  </p:cSld>
+  <p:clrMapOvr>
+    <a:masterClrMapping/>
+  </p:clrMapOvr>
+</p:sld>
+</file>
+
+<file path=ppt/slides/slide12.xml><?xml version="1.0" encoding="utf-8"?>
+<p:sld xmlns:a="http://schemas.openxmlformats.org/drawingml/2006/main" xmlns:r="http://schemas.openxmlformats.org/officeDocument/2006/relationships" xmlns:p="http://schemas.openxmlformats.org/presentationml/2006/main">
+  <p:cSld>
+    <p:spTree>
+      <p:nvGrpSpPr>
+        <p:cNvPr id="1" name=""/>
+        <p:cNvGrpSpPr/>
+        <p:nvPr/>
+      </p:nvGrpSpPr>
+      <p:grpSpPr>
+        <a:xfrm>
+          <a:off x="0" y="0"/>
+          <a:ext cx="0" cy="0"/>
+          <a:chOff x="0" y="0"/>
+          <a:chExt cx="0" cy="0"/>
+        </a:xfrm>
+      </p:grpSpPr>
+      <p:pic>
+        <p:nvPicPr>
+          <p:cNvPr id="3" name="Picture 2"/>
+          <p:cNvPicPr>
+            <a:picLocks noChangeAspect="1" noChangeArrowheads="1"/>
+          </p:cNvPicPr>
+          <p:nvPr/>
+        </p:nvPicPr>
+        <p:blipFill>
+          <a:blip r:embed="rId2">
+            <a:extLst>
+              <a:ext uri="{28A0092B-C50C-407E-A947-70E740481C1C}">
+                <a14:useLocalDpi xmlns:a14="http://schemas.microsoft.com/office/drawing/2010/main" val="0"/>
+              </a:ext>
+            </a:extLst>
+          </a:blip>
+          <a:srcRect/>
+          <a:stretch>
+            <a:fillRect/>
+          </a:stretch>
+        </p:blipFill>
+        <p:spPr bwMode="auto">
+          <a:xfrm>
+            <a:off x="2051720" y="5877272"/>
+            <a:ext cx="1728192" cy="760648"/>
+          </a:xfrm>
+          <a:prstGeom prst="rect">
+            <a:avLst/>
+          </a:prstGeom>
+          <a:noFill/>
+          <a:ln>
+            <a:noFill/>
+          </a:ln>
+          <a:effectLst/>
+          <a:extLst>
+            <a:ext uri="{909E8E84-426E-40DD-AFC4-6F175D3DCCD1}">
+              <a14:hiddenFill xmlns:a14="http://schemas.microsoft.com/office/drawing/2010/main">
+                <a:solidFill>
+                  <a:schemeClr val="accent1"/>
+                </a:solidFill>
+              </a14:hiddenFill>
+            </a:ext>
+            <a:ext uri="{91240B29-F687-4F45-9708-019B960494DF}">
+              <a14:hiddenLine xmlns:a14="http://schemas.microsoft.com/office/drawing/2010/main" w="9525">
+                <a:solidFill>
+                  <a:schemeClr val="tx1"/>
+                </a:solidFill>
+                <a:miter lim="800000"/>
+                <a:headEnd/>
+                <a:tailEnd/>
+              </a14:hiddenLine>
+            </a:ext>
+            <a:ext uri="{AF507438-7753-43E0-B8FC-AC1667EBCBE1}">
+              <a14:hiddenEffects xmlns:a14="http://schemas.microsoft.com/office/drawing/2010/main">
+                <a:effectLst>
+                  <a:outerShdw dist="35921" dir="2700000" algn="ctr" rotWithShape="0">
+                    <a:schemeClr val="bg2"/>
+                  </a:outerShdw>
+                </a:effectLst>
+              </a14:hiddenEffects>
+            </a:ext>
+          </a:extLst>
+        </p:spPr>
+      </p:pic>
+      <p:sp>
+        <p:nvSpPr>
+          <p:cNvPr id="4" name="Título 1"/>
+          <p:cNvSpPr>
+            <a:spLocks noGrp="1"/>
+          </p:cNvSpPr>
+          <p:nvPr>
+            <p:ph type="title"/>
+          </p:nvPr>
+        </p:nvSpPr>
+        <p:spPr>
+          <a:xfrm>
+            <a:off x="251520" y="332656"/>
+            <a:ext cx="8640960" cy="1152128"/>
+          </a:xfrm>
+        </p:spPr>
+        <p:txBody>
+          <a:bodyPr>
+            <a:normAutofit fontScale="90000"/>
+          </a:bodyPr>
+          <a:lstStyle/>
+          <a:p>
+            <a:r>
+              <a:rPr lang="pt-BR" b="1" dirty="0"/>
+              <a:t>ANÁLISE ORIENTADA A OBJETO</a:t>
+            </a:r>
+            <a:br>
+              <a:rPr lang="pt-BR" b="1" dirty="0"/>
+            </a:br>
+            <a:r>
+              <a:rPr lang="pt-BR" dirty="0"/>
+              <a:t>Diagrama de sequências</a:t>
+            </a:r>
+          </a:p>
+        </p:txBody>
+      </p:sp>
+      <p:sp>
+        <p:nvSpPr>
+          <p:cNvPr id="5" name="Espaço Reservado para Conteúdo 2"/>
+          <p:cNvSpPr txBox="1">
+            <a:spLocks/>
+          </p:cNvSpPr>
+          <p:nvPr/>
+        </p:nvSpPr>
+        <p:spPr>
+          <a:xfrm>
+            <a:off x="1115616" y="1988840"/>
+            <a:ext cx="7776864" cy="3744863"/>
+          </a:xfrm>
+          <a:prstGeom prst="rect">
+            <a:avLst/>
+          </a:prstGeom>
+        </p:spPr>
+        <p:txBody>
+          <a:bodyPr/>
+          <a:lstStyle>
+            <a:lvl1pPr marL="342900" indent="-342900" algn="l" defTabSz="914400" rtl="0" eaLnBrk="1" latinLnBrk="0" hangingPunct="1">
+              <a:spcBef>
+                <a:spcPct val="20000"/>
+              </a:spcBef>
+              <a:buFont typeface="Arial" pitchFamily="34" charset="0"/>
+              <a:buChar char="•"/>
+              <a:defRPr sz="3200" kern="1200">
+                <a:solidFill>
+                  <a:schemeClr val="tx1"/>
+                </a:solidFill>
+                <a:latin typeface="+mn-lt"/>
+                <a:ea typeface="+mn-ea"/>
+                <a:cs typeface="+mn-cs"/>
+              </a:defRPr>
+            </a:lvl1pPr>
+            <a:lvl2pPr marL="742950" indent="-285750" algn="l" defTabSz="914400" rtl="0" eaLnBrk="1" latinLnBrk="0" hangingPunct="1">
+              <a:spcBef>
+                <a:spcPct val="20000"/>
+              </a:spcBef>
+              <a:buFont typeface="Arial" pitchFamily="34" charset="0"/>
+              <a:buChar char="–"/>
+              <a:defRPr sz="2800" kern="1200">
+                <a:solidFill>
+                  <a:schemeClr val="tx1"/>
+                </a:solidFill>
+                <a:latin typeface="+mn-lt"/>
+                <a:ea typeface="+mn-ea"/>
+                <a:cs typeface="+mn-cs"/>
+              </a:defRPr>
+            </a:lvl2pPr>
+            <a:lvl3pPr marL="1143000" indent="-228600" algn="l" defTabSz="914400" rtl="0" eaLnBrk="1" latinLnBrk="0" hangingPunct="1">
+              <a:spcBef>
+                <a:spcPct val="20000"/>
+              </a:spcBef>
+              <a:buFont typeface="Arial" pitchFamily="34" charset="0"/>
+              <a:buChar char="•"/>
+              <a:defRPr sz="2400" kern="1200">
+                <a:solidFill>
+                  <a:schemeClr val="tx1"/>
+                </a:solidFill>
+                <a:latin typeface="+mn-lt"/>
+                <a:ea typeface="+mn-ea"/>
+                <a:cs typeface="+mn-cs"/>
+              </a:defRPr>
+            </a:lvl3pPr>
+            <a:lvl4pPr marL="1600200" indent="-228600" algn="l" defTabSz="914400" rtl="0" eaLnBrk="1" latinLnBrk="0" hangingPunct="1">
+              <a:spcBef>
+                <a:spcPct val="20000"/>
+              </a:spcBef>
+              <a:buFont typeface="Arial" pitchFamily="34" charset="0"/>
+              <a:buChar char="–"/>
+              <a:defRPr sz="2000" kern="1200">
+                <a:solidFill>
+                  <a:schemeClr val="tx1"/>
+                </a:solidFill>
+                <a:latin typeface="+mn-lt"/>
+                <a:ea typeface="+mn-ea"/>
+                <a:cs typeface="+mn-cs"/>
+              </a:defRPr>
+            </a:lvl4pPr>
+            <a:lvl5pPr marL="2057400" indent="-228600" algn="l" defTabSz="914400" rtl="0" eaLnBrk="1" latinLnBrk="0" hangingPunct="1">
+              <a:spcBef>
+                <a:spcPct val="20000"/>
+              </a:spcBef>
+              <a:buFont typeface="Arial" pitchFamily="34" charset="0"/>
+              <a:buChar char="»"/>
+              <a:defRPr sz="2000" kern="1200">
+                <a:solidFill>
+                  <a:schemeClr val="tx1"/>
+                </a:solidFill>
+                <a:latin typeface="+mn-lt"/>
+                <a:ea typeface="+mn-ea"/>
+                <a:cs typeface="+mn-cs"/>
+              </a:defRPr>
+            </a:lvl5pPr>
+            <a:lvl6pPr marL="2514600" indent="-228600" algn="l" defTabSz="914400" rtl="0" eaLnBrk="1" latinLnBrk="0" hangingPunct="1">
+              <a:spcBef>
+                <a:spcPct val="20000"/>
+              </a:spcBef>
+              <a:buFont typeface="Arial" pitchFamily="34" charset="0"/>
+              <a:buChar char="•"/>
+              <a:defRPr sz="2000" kern="1200">
+                <a:solidFill>
+                  <a:schemeClr val="tx1"/>
+                </a:solidFill>
+                <a:latin typeface="+mn-lt"/>
+                <a:ea typeface="+mn-ea"/>
+                <a:cs typeface="+mn-cs"/>
+              </a:defRPr>
+            </a:lvl6pPr>
+            <a:lvl7pPr marL="2971800" indent="-228600" algn="l" defTabSz="914400" rtl="0" eaLnBrk="1" latinLnBrk="0" hangingPunct="1">
+              <a:spcBef>
+                <a:spcPct val="20000"/>
+              </a:spcBef>
+              <a:buFont typeface="Arial" pitchFamily="34" charset="0"/>
+              <a:buChar char="•"/>
+              <a:defRPr sz="2000" kern="1200">
+                <a:solidFill>
+                  <a:schemeClr val="tx1"/>
+                </a:solidFill>
+                <a:latin typeface="+mn-lt"/>
+                <a:ea typeface="+mn-ea"/>
+                <a:cs typeface="+mn-cs"/>
+              </a:defRPr>
+            </a:lvl7pPr>
+            <a:lvl8pPr marL="3429000" indent="-228600" algn="l" defTabSz="914400" rtl="0" eaLnBrk="1" latinLnBrk="0" hangingPunct="1">
+              <a:spcBef>
+                <a:spcPct val="20000"/>
+              </a:spcBef>
+              <a:buFont typeface="Arial" pitchFamily="34" charset="0"/>
+              <a:buChar char="•"/>
+              <a:defRPr sz="2000" kern="1200">
+                <a:solidFill>
+                  <a:schemeClr val="tx1"/>
+                </a:solidFill>
+                <a:latin typeface="+mn-lt"/>
+                <a:ea typeface="+mn-ea"/>
+                <a:cs typeface="+mn-cs"/>
+              </a:defRPr>
+            </a:lvl8pPr>
+            <a:lvl9pPr marL="3886200" indent="-228600" algn="l" defTabSz="914400" rtl="0" eaLnBrk="1" latinLnBrk="0" hangingPunct="1">
+              <a:spcBef>
+                <a:spcPct val="20000"/>
+              </a:spcBef>
+              <a:buFont typeface="Arial" pitchFamily="34" charset="0"/>
+              <a:buChar char="•"/>
+              <a:defRPr sz="2000" kern="1200">
+                <a:solidFill>
+                  <a:schemeClr val="tx1"/>
+                </a:solidFill>
+                <a:latin typeface="+mn-lt"/>
+                <a:ea typeface="+mn-ea"/>
+                <a:cs typeface="+mn-cs"/>
+              </a:defRPr>
+            </a:lvl9pPr>
+          </a:lstStyle>
+          <a:p>
+            <a:pPr>
+              <a:buNone/>
+            </a:pPr>
+            <a:r>
+              <a:rPr lang="pt-BR" sz="1600" b="1" dirty="0"/>
+              <a:t>1 INTRODUÇÃO</a:t>
+            </a:r>
+          </a:p>
+          <a:p>
+            <a:pPr>
+              <a:buNone/>
+            </a:pPr>
+            <a:r>
+              <a:rPr lang="pt-BR" sz="1600" b="1" dirty="0"/>
+              <a:t>2 LEVANTAMENTO DE REQUISITOS</a:t>
+            </a:r>
+          </a:p>
+          <a:p>
+            <a:pPr>
+              <a:buNone/>
+            </a:pPr>
+            <a:r>
+              <a:rPr lang="pt-BR" sz="1600" dirty="0"/>
+              <a:t>2.1 Empresa</a:t>
+            </a:r>
+          </a:p>
+          <a:p>
+            <a:pPr>
+              <a:buNone/>
+            </a:pPr>
+            <a:r>
+              <a:rPr lang="pt-BR" sz="1600" dirty="0"/>
+              <a:t>2.2 Problemas identificados</a:t>
+            </a:r>
+          </a:p>
+          <a:p>
+            <a:pPr>
+              <a:buNone/>
+            </a:pPr>
+            <a:r>
+              <a:rPr lang="pt-BR" sz="1600" dirty="0"/>
+              <a:t>2.3 Propósito do sistema</a:t>
+            </a:r>
+          </a:p>
+          <a:p>
+            <a:pPr>
+              <a:buNone/>
+            </a:pPr>
+            <a:r>
+              <a:rPr lang="pt-BR" sz="1600" b="1" dirty="0"/>
+              <a:t>3 REQUISITOS DO SISTEMA	</a:t>
+            </a:r>
+          </a:p>
+          <a:p>
+            <a:pPr>
+              <a:buNone/>
+            </a:pPr>
+            <a:r>
+              <a:rPr lang="pt-BR" sz="1600" dirty="0"/>
+              <a:t>3.1 Lista de atores do sistema</a:t>
+            </a:r>
+          </a:p>
+          <a:p>
+            <a:pPr>
+              <a:buNone/>
+            </a:pPr>
+            <a:r>
+              <a:rPr lang="pt-BR" sz="1600" dirty="0"/>
+              <a:t>3.2 Lista de casos de uso</a:t>
+            </a:r>
+          </a:p>
+          <a:p>
+            <a:pPr>
+              <a:buNone/>
+            </a:pPr>
+            <a:r>
+              <a:rPr lang="pt-BR" sz="1600" dirty="0"/>
+              <a:t>3.3 Diagrama de contexto do sistema</a:t>
+            </a:r>
+          </a:p>
+          <a:p>
+            <a:pPr>
+              <a:buNone/>
+            </a:pPr>
+            <a:r>
+              <a:rPr lang="pt-BR" sz="1600" dirty="0"/>
+              <a:t>3.4 Representação e documentação dos diagramas de casos de uso (até 3)</a:t>
+            </a:r>
+          </a:p>
+          <a:p>
+            <a:pPr>
+              <a:buNone/>
+            </a:pPr>
+            <a:r>
+              <a:rPr lang="pt-BR" sz="1600" b="1" dirty="0"/>
+              <a:t>4 ANÁLISE ORIENTADA A OBJETO</a:t>
+            </a:r>
+          </a:p>
+          <a:p>
+            <a:pPr>
+              <a:buNone/>
+            </a:pPr>
+            <a:r>
+              <a:rPr lang="pt-BR" sz="1600" dirty="0"/>
+              <a:t>4.1 Diagrama de classes</a:t>
+            </a:r>
+          </a:p>
+          <a:p>
+            <a:pPr>
+              <a:buNone/>
+            </a:pPr>
+            <a:r>
+              <a:rPr lang="pt-BR" sz="1600" dirty="0"/>
+              <a:t>4.2 Diagrama de sequências (até 3)</a:t>
+            </a:r>
+          </a:p>
+          <a:p>
+            <a:pPr>
+              <a:buNone/>
+            </a:pPr>
+            <a:r>
+              <a:rPr lang="pt-BR" sz="1600" b="1" dirty="0"/>
+              <a:t>5 ESPECIFICAÇÃO DOS LAYOUTS</a:t>
+            </a:r>
+          </a:p>
+          <a:p>
+            <a:pPr>
+              <a:buNone/>
+            </a:pPr>
+            <a:r>
+              <a:rPr lang="pt-BR" sz="1600" dirty="0"/>
+              <a:t>5.1 Layout da página principal</a:t>
+            </a:r>
+          </a:p>
+          <a:p>
+            <a:pPr>
+              <a:buNone/>
+            </a:pPr>
+            <a:r>
+              <a:rPr lang="pt-BR" sz="1600" dirty="0"/>
+              <a:t>5.2 Mapa do site</a:t>
+            </a:r>
+          </a:p>
+        </p:txBody>
+      </p:sp>
+    </p:spTree>
+    <p:extLst>
+      <p:ext uri="{BB962C8B-B14F-4D97-AF65-F5344CB8AC3E}">
+        <p14:creationId xmlns:p14="http://schemas.microsoft.com/office/powerpoint/2010/main" val="3875534586"/>
+      </p:ext>
+    </p:extLst>
+  </p:cSld>
+  <p:clrMapOvr>
+    <a:masterClrMapping/>
+  </p:clrMapOvr>
+</p:sld>
+</file>
+
+<file path=ppt/slides/slide13.xml><?xml version="1.0" encoding="utf-8"?>
+<p:sld xmlns:a="http://schemas.openxmlformats.org/drawingml/2006/main" xmlns:r="http://schemas.openxmlformats.org/officeDocument/2006/relationships" xmlns:p="http://schemas.openxmlformats.org/presentationml/2006/main">
+  <p:cSld>
+    <p:spTree>
+      <p:nvGrpSpPr>
+        <p:cNvPr id="1" name=""/>
+        <p:cNvGrpSpPr/>
+        <p:nvPr/>
+      </p:nvGrpSpPr>
+      <p:grpSpPr>
+        <a:xfrm>
+          <a:off x="0" y="0"/>
+          <a:ext cx="0" cy="0"/>
+          <a:chOff x="0" y="0"/>
+          <a:chExt cx="0" cy="0"/>
+        </a:xfrm>
+      </p:grpSpPr>
+      <p:pic>
+        <p:nvPicPr>
+          <p:cNvPr id="3" name="Picture 2"/>
+          <p:cNvPicPr>
+            <a:picLocks noChangeAspect="1" noChangeArrowheads="1"/>
+          </p:cNvPicPr>
+          <p:nvPr/>
+        </p:nvPicPr>
+        <p:blipFill>
+          <a:blip r:embed="rId2">
+            <a:extLst>
+              <a:ext uri="{28A0092B-C50C-407E-A947-70E740481C1C}">
+                <a14:useLocalDpi xmlns:a14="http://schemas.microsoft.com/office/drawing/2010/main" val="0"/>
+              </a:ext>
+            </a:extLst>
+          </a:blip>
+          <a:srcRect/>
+          <a:stretch>
+            <a:fillRect/>
+          </a:stretch>
+        </p:blipFill>
+        <p:spPr bwMode="auto">
+          <a:xfrm>
+            <a:off x="2051720" y="5877272"/>
+            <a:ext cx="1728192" cy="760648"/>
+          </a:xfrm>
+          <a:prstGeom prst="rect">
+            <a:avLst/>
+          </a:prstGeom>
+          <a:noFill/>
+          <a:ln>
+            <a:noFill/>
+          </a:ln>
+          <a:effectLst/>
+          <a:extLst>
+            <a:ext uri="{909E8E84-426E-40DD-AFC4-6F175D3DCCD1}">
+              <a14:hiddenFill xmlns:a14="http://schemas.microsoft.com/office/drawing/2010/main">
+                <a:solidFill>
+                  <a:schemeClr val="accent1"/>
+                </a:solidFill>
+              </a14:hiddenFill>
+            </a:ext>
+            <a:ext uri="{91240B29-F687-4F45-9708-019B960494DF}">
+              <a14:hiddenLine xmlns:a14="http://schemas.microsoft.com/office/drawing/2010/main" w="9525">
+                <a:solidFill>
+                  <a:schemeClr val="tx1"/>
+                </a:solidFill>
+                <a:miter lim="800000"/>
+                <a:headEnd/>
+                <a:tailEnd/>
+              </a14:hiddenLine>
+            </a:ext>
+            <a:ext uri="{AF507438-7753-43E0-B8FC-AC1667EBCBE1}">
+              <a14:hiddenEffects xmlns:a14="http://schemas.microsoft.com/office/drawing/2010/main">
+                <a:effectLst>
+                  <a:outerShdw dist="35921" dir="2700000" algn="ctr" rotWithShape="0">
+                    <a:schemeClr val="bg2"/>
+                  </a:outerShdw>
+                </a:effectLst>
+              </a14:hiddenEffects>
+            </a:ext>
+          </a:extLst>
+        </p:spPr>
+      </p:pic>
+      <p:sp>
+        <p:nvSpPr>
+          <p:cNvPr id="4" name="Título 1"/>
+          <p:cNvSpPr>
+            <a:spLocks noGrp="1"/>
+          </p:cNvSpPr>
+          <p:nvPr>
+            <p:ph type="title"/>
+          </p:nvPr>
+        </p:nvSpPr>
+        <p:spPr>
+          <a:xfrm>
+            <a:off x="251520" y="332656"/>
+            <a:ext cx="8640960" cy="1152128"/>
+          </a:xfrm>
+        </p:spPr>
+        <p:txBody>
+          <a:bodyPr>
+            <a:normAutofit fontScale="90000"/>
+          </a:bodyPr>
+          <a:lstStyle/>
+          <a:p>
+            <a:r>
+              <a:rPr lang="pt-BR" b="1" dirty="0"/>
+              <a:t>ESPECIFICAÇÃO DOS LAYOUTS</a:t>
+            </a:r>
+            <a:br>
+              <a:rPr lang="pt-BR" b="1" dirty="0"/>
+            </a:br>
+            <a:r>
+              <a:rPr lang="pt-BR" dirty="0"/>
+              <a:t>Layout da página principal</a:t>
+            </a:r>
+          </a:p>
+        </p:txBody>
+      </p:sp>
+      <p:sp>
+        <p:nvSpPr>
+          <p:cNvPr id="5" name="Espaço Reservado para Conteúdo 2"/>
+          <p:cNvSpPr txBox="1">
+            <a:spLocks/>
+          </p:cNvSpPr>
+          <p:nvPr/>
+        </p:nvSpPr>
+        <p:spPr>
+          <a:xfrm>
+            <a:off x="1115616" y="1988840"/>
+            <a:ext cx="7776864" cy="3744863"/>
+          </a:xfrm>
+          <a:prstGeom prst="rect">
+            <a:avLst/>
+          </a:prstGeom>
+        </p:spPr>
+        <p:txBody>
+          <a:bodyPr/>
+          <a:lstStyle>
+            <a:lvl1pPr marL="342900" indent="-342900" algn="l" defTabSz="914400" rtl="0" eaLnBrk="1" latinLnBrk="0" hangingPunct="1">
+              <a:spcBef>
+                <a:spcPct val="20000"/>
+              </a:spcBef>
+              <a:buFont typeface="Arial" pitchFamily="34" charset="0"/>
+              <a:buChar char="•"/>
+              <a:defRPr sz="3200" kern="1200">
+                <a:solidFill>
+                  <a:schemeClr val="tx1"/>
+                </a:solidFill>
+                <a:latin typeface="+mn-lt"/>
+                <a:ea typeface="+mn-ea"/>
+                <a:cs typeface="+mn-cs"/>
+              </a:defRPr>
+            </a:lvl1pPr>
+            <a:lvl2pPr marL="742950" indent="-285750" algn="l" defTabSz="914400" rtl="0" eaLnBrk="1" latinLnBrk="0" hangingPunct="1">
+              <a:spcBef>
+                <a:spcPct val="20000"/>
+              </a:spcBef>
+              <a:buFont typeface="Arial" pitchFamily="34" charset="0"/>
+              <a:buChar char="–"/>
+              <a:defRPr sz="2800" kern="1200">
+                <a:solidFill>
+                  <a:schemeClr val="tx1"/>
+                </a:solidFill>
+                <a:latin typeface="+mn-lt"/>
+                <a:ea typeface="+mn-ea"/>
+                <a:cs typeface="+mn-cs"/>
+              </a:defRPr>
+            </a:lvl2pPr>
+            <a:lvl3pPr marL="1143000" indent="-228600" algn="l" defTabSz="914400" rtl="0" eaLnBrk="1" latinLnBrk="0" hangingPunct="1">
+              <a:spcBef>
+                <a:spcPct val="20000"/>
+              </a:spcBef>
+              <a:buFont typeface="Arial" pitchFamily="34" charset="0"/>
+              <a:buChar char="•"/>
+              <a:defRPr sz="2400" kern="1200">
+                <a:solidFill>
+                  <a:schemeClr val="tx1"/>
+                </a:solidFill>
+                <a:latin typeface="+mn-lt"/>
+                <a:ea typeface="+mn-ea"/>
+                <a:cs typeface="+mn-cs"/>
+              </a:defRPr>
+            </a:lvl3pPr>
+            <a:lvl4pPr marL="1600200" indent="-228600" algn="l" defTabSz="914400" rtl="0" eaLnBrk="1" latinLnBrk="0" hangingPunct="1">
+              <a:spcBef>
+                <a:spcPct val="20000"/>
+              </a:spcBef>
+              <a:buFont typeface="Arial" pitchFamily="34" charset="0"/>
+              <a:buChar char="–"/>
+              <a:defRPr sz="2000" kern="1200">
+                <a:solidFill>
+                  <a:schemeClr val="tx1"/>
+                </a:solidFill>
+                <a:latin typeface="+mn-lt"/>
+                <a:ea typeface="+mn-ea"/>
+                <a:cs typeface="+mn-cs"/>
+              </a:defRPr>
+            </a:lvl4pPr>
+            <a:lvl5pPr marL="2057400" indent="-228600" algn="l" defTabSz="914400" rtl="0" eaLnBrk="1" latinLnBrk="0" hangingPunct="1">
+              <a:spcBef>
+                <a:spcPct val="20000"/>
+              </a:spcBef>
+              <a:buFont typeface="Arial" pitchFamily="34" charset="0"/>
+              <a:buChar char="»"/>
+              <a:defRPr sz="2000" kern="1200">
+                <a:solidFill>
+                  <a:schemeClr val="tx1"/>
+                </a:solidFill>
+                <a:latin typeface="+mn-lt"/>
+                <a:ea typeface="+mn-ea"/>
+                <a:cs typeface="+mn-cs"/>
+              </a:defRPr>
+            </a:lvl5pPr>
+            <a:lvl6pPr marL="2514600" indent="-228600" algn="l" defTabSz="914400" rtl="0" eaLnBrk="1" latinLnBrk="0" hangingPunct="1">
+              <a:spcBef>
+                <a:spcPct val="20000"/>
+              </a:spcBef>
+              <a:buFont typeface="Arial" pitchFamily="34" charset="0"/>
+              <a:buChar char="•"/>
+              <a:defRPr sz="2000" kern="1200">
+                <a:solidFill>
+                  <a:schemeClr val="tx1"/>
+                </a:solidFill>
+                <a:latin typeface="+mn-lt"/>
+                <a:ea typeface="+mn-ea"/>
+                <a:cs typeface="+mn-cs"/>
+              </a:defRPr>
+            </a:lvl6pPr>
+            <a:lvl7pPr marL="2971800" indent="-228600" algn="l" defTabSz="914400" rtl="0" eaLnBrk="1" latinLnBrk="0" hangingPunct="1">
+              <a:spcBef>
+                <a:spcPct val="20000"/>
+              </a:spcBef>
+              <a:buFont typeface="Arial" pitchFamily="34" charset="0"/>
+              <a:buChar char="•"/>
+              <a:defRPr sz="2000" kern="1200">
+                <a:solidFill>
+                  <a:schemeClr val="tx1"/>
+                </a:solidFill>
+                <a:latin typeface="+mn-lt"/>
+                <a:ea typeface="+mn-ea"/>
+                <a:cs typeface="+mn-cs"/>
+              </a:defRPr>
+            </a:lvl7pPr>
+            <a:lvl8pPr marL="3429000" indent="-228600" algn="l" defTabSz="914400" rtl="0" eaLnBrk="1" latinLnBrk="0" hangingPunct="1">
+              <a:spcBef>
+                <a:spcPct val="20000"/>
+              </a:spcBef>
+              <a:buFont typeface="Arial" pitchFamily="34" charset="0"/>
+              <a:buChar char="•"/>
+              <a:defRPr sz="2000" kern="1200">
+                <a:solidFill>
+                  <a:schemeClr val="tx1"/>
+                </a:solidFill>
+                <a:latin typeface="+mn-lt"/>
+                <a:ea typeface="+mn-ea"/>
+                <a:cs typeface="+mn-cs"/>
+              </a:defRPr>
+            </a:lvl8pPr>
+            <a:lvl9pPr marL="3886200" indent="-228600" algn="l" defTabSz="914400" rtl="0" eaLnBrk="1" latinLnBrk="0" hangingPunct="1">
+              <a:spcBef>
+                <a:spcPct val="20000"/>
+              </a:spcBef>
+              <a:buFont typeface="Arial" pitchFamily="34" charset="0"/>
+              <a:buChar char="•"/>
+              <a:defRPr sz="2000" kern="1200">
+                <a:solidFill>
+                  <a:schemeClr val="tx1"/>
+                </a:solidFill>
+                <a:latin typeface="+mn-lt"/>
+                <a:ea typeface="+mn-ea"/>
+                <a:cs typeface="+mn-cs"/>
+              </a:defRPr>
+            </a:lvl9pPr>
+          </a:lstStyle>
+          <a:p>
+            <a:pPr>
+              <a:buNone/>
+            </a:pPr>
+            <a:r>
+              <a:rPr lang="pt-BR" sz="1600" b="1" dirty="0"/>
+              <a:t>1 INTRODUÇÃO</a:t>
+            </a:r>
+          </a:p>
+          <a:p>
+            <a:pPr>
+              <a:buNone/>
+            </a:pPr>
+            <a:r>
+              <a:rPr lang="pt-BR" sz="1600" b="1" dirty="0"/>
+              <a:t>2 LEVANTAMENTO DE REQUISITOS</a:t>
+            </a:r>
+          </a:p>
+          <a:p>
+            <a:pPr>
+              <a:buNone/>
+            </a:pPr>
+            <a:r>
+              <a:rPr lang="pt-BR" sz="1600" dirty="0"/>
+              <a:t>2.1 Empresa</a:t>
+            </a:r>
+          </a:p>
+          <a:p>
+            <a:pPr>
+              <a:buNone/>
+            </a:pPr>
+            <a:r>
+              <a:rPr lang="pt-BR" sz="1600" dirty="0"/>
+              <a:t>2.2 Problemas identificados</a:t>
+            </a:r>
+          </a:p>
+          <a:p>
+            <a:pPr>
+              <a:buNone/>
+            </a:pPr>
+            <a:r>
+              <a:rPr lang="pt-BR" sz="1600" dirty="0"/>
+              <a:t>2.3 Propósito do sistema</a:t>
+            </a:r>
+          </a:p>
+          <a:p>
+            <a:pPr>
+              <a:buNone/>
+            </a:pPr>
+            <a:r>
+              <a:rPr lang="pt-BR" sz="1600" b="1" dirty="0"/>
+              <a:t>3 REQUISITOS DO SISTEMA	</a:t>
+            </a:r>
+          </a:p>
+          <a:p>
+            <a:pPr>
+              <a:buNone/>
+            </a:pPr>
+            <a:r>
+              <a:rPr lang="pt-BR" sz="1600" dirty="0"/>
+              <a:t>3.1 Lista de atores do sistema</a:t>
+            </a:r>
+          </a:p>
+          <a:p>
+            <a:pPr>
+              <a:buNone/>
+            </a:pPr>
+            <a:r>
+              <a:rPr lang="pt-BR" sz="1600" dirty="0"/>
+              <a:t>3.2 Lista de casos de uso</a:t>
+            </a:r>
+          </a:p>
+          <a:p>
+            <a:pPr>
+              <a:buNone/>
+            </a:pPr>
+            <a:r>
+              <a:rPr lang="pt-BR" sz="1600" dirty="0"/>
+              <a:t>3.3 Diagrama de contexto do sistema</a:t>
+            </a:r>
+          </a:p>
+          <a:p>
+            <a:pPr>
+              <a:buNone/>
+            </a:pPr>
+            <a:r>
+              <a:rPr lang="pt-BR" sz="1600" dirty="0"/>
+              <a:t>3.4 Representação e documentação dos diagramas de casos de uso (até 3)</a:t>
+            </a:r>
+          </a:p>
+          <a:p>
+            <a:pPr>
+              <a:buNone/>
+            </a:pPr>
+            <a:r>
+              <a:rPr lang="pt-BR" sz="1600" b="1" dirty="0"/>
+              <a:t>4 ANÁLISE ORIENTADA A OBJETO</a:t>
+            </a:r>
+          </a:p>
+          <a:p>
+            <a:pPr>
+              <a:buNone/>
+            </a:pPr>
+            <a:r>
+              <a:rPr lang="pt-BR" sz="1600" dirty="0"/>
+              <a:t>4.1 Diagrama de classes</a:t>
+            </a:r>
+          </a:p>
+          <a:p>
+            <a:pPr>
+              <a:buNone/>
+            </a:pPr>
+            <a:r>
+              <a:rPr lang="pt-BR" sz="1600" dirty="0"/>
+              <a:t>4.2 Diagrama de sequências (até 3)</a:t>
+            </a:r>
+          </a:p>
+          <a:p>
+            <a:pPr>
+              <a:buNone/>
+            </a:pPr>
+            <a:r>
+              <a:rPr lang="pt-BR" sz="1600" b="1" dirty="0"/>
+              <a:t>5 ESPECIFICAÇÃO DOS LAYOUTS</a:t>
+            </a:r>
+          </a:p>
+          <a:p>
+            <a:pPr>
+              <a:buNone/>
+            </a:pPr>
+            <a:r>
+              <a:rPr lang="pt-BR" sz="1600" dirty="0"/>
+              <a:t>5.1 Layout da página principal</a:t>
+            </a:r>
+          </a:p>
+          <a:p>
+            <a:pPr>
+              <a:buNone/>
+            </a:pPr>
+            <a:r>
+              <a:rPr lang="pt-BR" sz="1600" dirty="0"/>
+              <a:t>5.2 Mapa do site</a:t>
+            </a:r>
+          </a:p>
+        </p:txBody>
+      </p:sp>
+    </p:spTree>
+    <p:extLst>
+      <p:ext uri="{BB962C8B-B14F-4D97-AF65-F5344CB8AC3E}">
+        <p14:creationId xmlns:p14="http://schemas.microsoft.com/office/powerpoint/2010/main" val="3607067628"/>
+      </p:ext>
+    </p:extLst>
+  </p:cSld>
+  <p:clrMapOvr>
+    <a:masterClrMapping/>
+  </p:clrMapOvr>
+</p:sld>
+</file>
+
+<file path=ppt/slides/slide14.xml><?xml version="1.0" encoding="utf-8"?>
+<p:sld xmlns:a="http://schemas.openxmlformats.org/drawingml/2006/main" xmlns:r="http://schemas.openxmlformats.org/officeDocument/2006/relationships" xmlns:p="http://schemas.openxmlformats.org/presentationml/2006/main">
+  <p:cSld>
+    <p:spTree>
+      <p:nvGrpSpPr>
+        <p:cNvPr id="1" name=""/>
+        <p:cNvGrpSpPr/>
+        <p:nvPr/>
+      </p:nvGrpSpPr>
+      <p:grpSpPr>
+        <a:xfrm>
+          <a:off x="0" y="0"/>
+          <a:ext cx="0" cy="0"/>
+          <a:chOff x="0" y="0"/>
+          <a:chExt cx="0" cy="0"/>
+        </a:xfrm>
+      </p:grpSpPr>
+      <p:pic>
+        <p:nvPicPr>
+          <p:cNvPr id="3" name="Picture 2"/>
+          <p:cNvPicPr>
+            <a:picLocks noChangeAspect="1" noChangeArrowheads="1"/>
+          </p:cNvPicPr>
+          <p:nvPr/>
+        </p:nvPicPr>
+        <p:blipFill>
+          <a:blip r:embed="rId2">
+            <a:extLst>
+              <a:ext uri="{28A0092B-C50C-407E-A947-70E740481C1C}">
+                <a14:useLocalDpi xmlns:a14="http://schemas.microsoft.com/office/drawing/2010/main" val="0"/>
+              </a:ext>
+            </a:extLst>
+          </a:blip>
+          <a:srcRect/>
+          <a:stretch>
+            <a:fillRect/>
+          </a:stretch>
+        </p:blipFill>
+        <p:spPr bwMode="auto">
+          <a:xfrm>
+            <a:off x="2051720" y="5877272"/>
+            <a:ext cx="1728192" cy="760648"/>
+          </a:xfrm>
+          <a:prstGeom prst="rect">
+            <a:avLst/>
+          </a:prstGeom>
+          <a:noFill/>
+          <a:ln>
+            <a:noFill/>
+          </a:ln>
+          <a:effectLst/>
+          <a:extLst>
+            <a:ext uri="{909E8E84-426E-40DD-AFC4-6F175D3DCCD1}">
+              <a14:hiddenFill xmlns:a14="http://schemas.microsoft.com/office/drawing/2010/main">
+                <a:solidFill>
+                  <a:schemeClr val="accent1"/>
+                </a:solidFill>
+              </a14:hiddenFill>
+            </a:ext>
+            <a:ext uri="{91240B29-F687-4F45-9708-019B960494DF}">
+              <a14:hiddenLine xmlns:a14="http://schemas.microsoft.com/office/drawing/2010/main" w="9525">
+                <a:solidFill>
+                  <a:schemeClr val="tx1"/>
+                </a:solidFill>
+                <a:miter lim="800000"/>
+                <a:headEnd/>
+                <a:tailEnd/>
+              </a14:hiddenLine>
+            </a:ext>
+            <a:ext uri="{AF507438-7753-43E0-B8FC-AC1667EBCBE1}">
+              <a14:hiddenEffects xmlns:a14="http://schemas.microsoft.com/office/drawing/2010/main">
+                <a:effectLst>
+                  <a:outerShdw dist="35921" dir="2700000" algn="ctr" rotWithShape="0">
+                    <a:schemeClr val="bg2"/>
+                  </a:outerShdw>
+                </a:effectLst>
+              </a14:hiddenEffects>
+            </a:ext>
+          </a:extLst>
+        </p:spPr>
+      </p:pic>
+      <p:sp>
+        <p:nvSpPr>
+          <p:cNvPr id="4" name="Título 1"/>
+          <p:cNvSpPr>
+            <a:spLocks noGrp="1"/>
+          </p:cNvSpPr>
+          <p:nvPr>
+            <p:ph type="title"/>
+          </p:nvPr>
+        </p:nvSpPr>
+        <p:spPr>
+          <a:xfrm>
+            <a:off x="251520" y="332656"/>
+            <a:ext cx="8640960" cy="1152128"/>
+          </a:xfrm>
+        </p:spPr>
+        <p:txBody>
+          <a:bodyPr>
+            <a:normAutofit fontScale="90000"/>
+          </a:bodyPr>
+          <a:lstStyle/>
+          <a:p>
+            <a:r>
+              <a:rPr lang="pt-BR" b="1" dirty="0"/>
+              <a:t>ESPECIFICAÇÃO DOS LAYOUTS</a:t>
+            </a:r>
+            <a:br>
+              <a:rPr lang="pt-BR" b="1" dirty="0"/>
+            </a:br>
+            <a:r>
+              <a:rPr lang="pt-BR" dirty="0"/>
+              <a:t>Mapa do site</a:t>
+            </a:r>
+          </a:p>
+        </p:txBody>
+      </p:sp>
+      <p:sp>
+        <p:nvSpPr>
+          <p:cNvPr id="5" name="Espaço Reservado para Conteúdo 2"/>
+          <p:cNvSpPr txBox="1">
+            <a:spLocks/>
+          </p:cNvSpPr>
+          <p:nvPr/>
+        </p:nvSpPr>
+        <p:spPr>
+          <a:xfrm>
+            <a:off x="1115616" y="1988840"/>
+            <a:ext cx="7776864" cy="3744863"/>
+          </a:xfrm>
+          <a:prstGeom prst="rect">
+            <a:avLst/>
+          </a:prstGeom>
+        </p:spPr>
+        <p:txBody>
+          <a:bodyPr/>
+          <a:lstStyle>
+            <a:lvl1pPr marL="342900" indent="-342900" algn="l" defTabSz="914400" rtl="0" eaLnBrk="1" latinLnBrk="0" hangingPunct="1">
+              <a:spcBef>
+                <a:spcPct val="20000"/>
+              </a:spcBef>
+              <a:buFont typeface="Arial" pitchFamily="34" charset="0"/>
+              <a:buChar char="•"/>
+              <a:defRPr sz="3200" kern="1200">
+                <a:solidFill>
+                  <a:schemeClr val="tx1"/>
+                </a:solidFill>
+                <a:latin typeface="+mn-lt"/>
+                <a:ea typeface="+mn-ea"/>
+                <a:cs typeface="+mn-cs"/>
+              </a:defRPr>
+            </a:lvl1pPr>
+            <a:lvl2pPr marL="742950" indent="-285750" algn="l" defTabSz="914400" rtl="0" eaLnBrk="1" latinLnBrk="0" hangingPunct="1">
+              <a:spcBef>
+                <a:spcPct val="20000"/>
+              </a:spcBef>
+              <a:buFont typeface="Arial" pitchFamily="34" charset="0"/>
+              <a:buChar char="–"/>
+              <a:defRPr sz="2800" kern="1200">
+                <a:solidFill>
+                  <a:schemeClr val="tx1"/>
+                </a:solidFill>
+                <a:latin typeface="+mn-lt"/>
+                <a:ea typeface="+mn-ea"/>
+                <a:cs typeface="+mn-cs"/>
+              </a:defRPr>
+            </a:lvl2pPr>
+            <a:lvl3pPr marL="1143000" indent="-228600" algn="l" defTabSz="914400" rtl="0" eaLnBrk="1" latinLnBrk="0" hangingPunct="1">
+              <a:spcBef>
+                <a:spcPct val="20000"/>
+              </a:spcBef>
+              <a:buFont typeface="Arial" pitchFamily="34" charset="0"/>
+              <a:buChar char="•"/>
+              <a:defRPr sz="2400" kern="1200">
+                <a:solidFill>
+                  <a:schemeClr val="tx1"/>
+                </a:solidFill>
+                <a:latin typeface="+mn-lt"/>
+                <a:ea typeface="+mn-ea"/>
+                <a:cs typeface="+mn-cs"/>
+              </a:defRPr>
+            </a:lvl3pPr>
+            <a:lvl4pPr marL="1600200" indent="-228600" algn="l" defTabSz="914400" rtl="0" eaLnBrk="1" latinLnBrk="0" hangingPunct="1">
+              <a:spcBef>
+                <a:spcPct val="20000"/>
+              </a:spcBef>
+              <a:buFont typeface="Arial" pitchFamily="34" charset="0"/>
+              <a:buChar char="–"/>
+              <a:defRPr sz="2000" kern="1200">
+                <a:solidFill>
+                  <a:schemeClr val="tx1"/>
+                </a:solidFill>
+                <a:latin typeface="+mn-lt"/>
+                <a:ea typeface="+mn-ea"/>
+                <a:cs typeface="+mn-cs"/>
+              </a:defRPr>
+            </a:lvl4pPr>
+            <a:lvl5pPr marL="2057400" indent="-228600" algn="l" defTabSz="914400" rtl="0" eaLnBrk="1" latinLnBrk="0" hangingPunct="1">
+              <a:spcBef>
+                <a:spcPct val="20000"/>
+              </a:spcBef>
+              <a:buFont typeface="Arial" pitchFamily="34" charset="0"/>
+              <a:buChar char="»"/>
+              <a:defRPr sz="2000" kern="1200">
+                <a:solidFill>
+                  <a:schemeClr val="tx1"/>
+                </a:solidFill>
+                <a:latin typeface="+mn-lt"/>
+                <a:ea typeface="+mn-ea"/>
+                <a:cs typeface="+mn-cs"/>
+              </a:defRPr>
+            </a:lvl5pPr>
+            <a:lvl6pPr marL="2514600" indent="-228600" algn="l" defTabSz="914400" rtl="0" eaLnBrk="1" latinLnBrk="0" hangingPunct="1">
+              <a:spcBef>
+                <a:spcPct val="20000"/>
+              </a:spcBef>
+              <a:buFont typeface="Arial" pitchFamily="34" charset="0"/>
+              <a:buChar char="•"/>
+              <a:defRPr sz="2000" kern="1200">
+                <a:solidFill>
+                  <a:schemeClr val="tx1"/>
+                </a:solidFill>
+                <a:latin typeface="+mn-lt"/>
+                <a:ea typeface="+mn-ea"/>
+                <a:cs typeface="+mn-cs"/>
+              </a:defRPr>
+            </a:lvl6pPr>
+            <a:lvl7pPr marL="2971800" indent="-228600" algn="l" defTabSz="914400" rtl="0" eaLnBrk="1" latinLnBrk="0" hangingPunct="1">
+              <a:spcBef>
+                <a:spcPct val="20000"/>
+              </a:spcBef>
+              <a:buFont typeface="Arial" pitchFamily="34" charset="0"/>
+              <a:buChar char="•"/>
+              <a:defRPr sz="2000" kern="1200">
+                <a:solidFill>
+                  <a:schemeClr val="tx1"/>
+                </a:solidFill>
+                <a:latin typeface="+mn-lt"/>
+                <a:ea typeface="+mn-ea"/>
+                <a:cs typeface="+mn-cs"/>
+              </a:defRPr>
+            </a:lvl7pPr>
+            <a:lvl8pPr marL="3429000" indent="-228600" algn="l" defTabSz="914400" rtl="0" eaLnBrk="1" latinLnBrk="0" hangingPunct="1">
+              <a:spcBef>
+                <a:spcPct val="20000"/>
+              </a:spcBef>
+              <a:buFont typeface="Arial" pitchFamily="34" charset="0"/>
+              <a:buChar char="•"/>
+              <a:defRPr sz="2000" kern="1200">
+                <a:solidFill>
+                  <a:schemeClr val="tx1"/>
+                </a:solidFill>
+                <a:latin typeface="+mn-lt"/>
+                <a:ea typeface="+mn-ea"/>
+                <a:cs typeface="+mn-cs"/>
+              </a:defRPr>
+            </a:lvl8pPr>
+            <a:lvl9pPr marL="3886200" indent="-228600" algn="l" defTabSz="914400" rtl="0" eaLnBrk="1" latinLnBrk="0" hangingPunct="1">
+              <a:spcBef>
+                <a:spcPct val="20000"/>
+              </a:spcBef>
+              <a:buFont typeface="Arial" pitchFamily="34" charset="0"/>
+              <a:buChar char="•"/>
+              <a:defRPr sz="2000" kern="1200">
+                <a:solidFill>
+                  <a:schemeClr val="tx1"/>
+                </a:solidFill>
+                <a:latin typeface="+mn-lt"/>
+                <a:ea typeface="+mn-ea"/>
+                <a:cs typeface="+mn-cs"/>
+              </a:defRPr>
+            </a:lvl9pPr>
+          </a:lstStyle>
+          <a:p>
+            <a:pPr>
+              <a:buNone/>
+            </a:pPr>
+            <a:r>
+              <a:rPr lang="pt-BR" sz="1600" b="1" dirty="0"/>
+              <a:t>1 INTRODUÇÃO</a:t>
+            </a:r>
+          </a:p>
+          <a:p>
+            <a:pPr>
+              <a:buNone/>
+            </a:pPr>
+            <a:r>
+              <a:rPr lang="pt-BR" sz="1600" b="1" dirty="0"/>
+              <a:t>2 LEVANTAMENTO DE REQUISITOS</a:t>
+            </a:r>
+          </a:p>
+          <a:p>
+            <a:pPr>
+              <a:buNone/>
+            </a:pPr>
+            <a:r>
+              <a:rPr lang="pt-BR" sz="1600" dirty="0"/>
+              <a:t>2.1 Empresa</a:t>
+            </a:r>
+          </a:p>
+          <a:p>
+            <a:pPr>
+              <a:buNone/>
+            </a:pPr>
+            <a:r>
+              <a:rPr lang="pt-BR" sz="1600" dirty="0"/>
+              <a:t>2.2 Problemas identificados</a:t>
+            </a:r>
+          </a:p>
+          <a:p>
+            <a:pPr>
+              <a:buNone/>
+            </a:pPr>
+            <a:r>
+              <a:rPr lang="pt-BR" sz="1600" dirty="0"/>
+              <a:t>2.3 Propósito do sistema</a:t>
+            </a:r>
+          </a:p>
+          <a:p>
+            <a:pPr>
+              <a:buNone/>
+            </a:pPr>
+            <a:r>
+              <a:rPr lang="pt-BR" sz="1600" b="1" dirty="0"/>
+              <a:t>3 REQUISITOS DO SISTEMA	</a:t>
+            </a:r>
+          </a:p>
+          <a:p>
+            <a:pPr>
+              <a:buNone/>
+            </a:pPr>
+            <a:r>
+              <a:rPr lang="pt-BR" sz="1600" dirty="0"/>
+              <a:t>3.1 Lista de atores do sistema</a:t>
+            </a:r>
+          </a:p>
+          <a:p>
+            <a:pPr>
+              <a:buNone/>
+            </a:pPr>
+            <a:r>
+              <a:rPr lang="pt-BR" sz="1600" dirty="0"/>
+              <a:t>3.2 Lista de casos de uso</a:t>
+            </a:r>
+          </a:p>
+          <a:p>
+            <a:pPr>
+              <a:buNone/>
+            </a:pPr>
+            <a:r>
+              <a:rPr lang="pt-BR" sz="1600" dirty="0"/>
+              <a:t>3.3 Diagrama de contexto do sistema</a:t>
+            </a:r>
+          </a:p>
+          <a:p>
+            <a:pPr>
+              <a:buNone/>
+            </a:pPr>
+            <a:r>
+              <a:rPr lang="pt-BR" sz="1600" dirty="0"/>
+              <a:t>3.4 Representação e documentação dos diagramas de casos de uso (até 3)</a:t>
+            </a:r>
+          </a:p>
+          <a:p>
+            <a:pPr>
+              <a:buNone/>
+            </a:pPr>
+            <a:r>
+              <a:rPr lang="pt-BR" sz="1600" b="1" dirty="0"/>
+              <a:t>4 ANÁLISE ORIENTADA A OBJETO</a:t>
+            </a:r>
+          </a:p>
+          <a:p>
+            <a:pPr>
+              <a:buNone/>
+            </a:pPr>
+            <a:r>
+              <a:rPr lang="pt-BR" sz="1600" dirty="0"/>
+              <a:t>4.1 Diagrama de classes</a:t>
+            </a:r>
+          </a:p>
+          <a:p>
+            <a:pPr>
+              <a:buNone/>
+            </a:pPr>
+            <a:r>
+              <a:rPr lang="pt-BR" sz="1600" dirty="0"/>
+              <a:t>4.2 Diagrama de sequências (até 3)</a:t>
+            </a:r>
+          </a:p>
+          <a:p>
+            <a:pPr>
+              <a:buNone/>
+            </a:pPr>
+            <a:r>
+              <a:rPr lang="pt-BR" sz="1600" b="1" dirty="0"/>
+              <a:t>5 ESPECIFICAÇÃO DOS LAYOUTS</a:t>
+            </a:r>
+          </a:p>
+          <a:p>
+            <a:pPr>
+              <a:buNone/>
+            </a:pPr>
+            <a:r>
+              <a:rPr lang="pt-BR" sz="1600" dirty="0"/>
+              <a:t>5.1 Layout da página principal</a:t>
+            </a:r>
+          </a:p>
+          <a:p>
+            <a:pPr>
+              <a:buNone/>
+            </a:pPr>
+            <a:r>
+              <a:rPr lang="pt-BR" sz="1600" dirty="0"/>
+              <a:t>5.2 Mapa do site</a:t>
+            </a:r>
+          </a:p>
+        </p:txBody>
+      </p:sp>
+    </p:spTree>
+    <p:extLst>
+      <p:ext uri="{BB962C8B-B14F-4D97-AF65-F5344CB8AC3E}">
+        <p14:creationId xmlns:p14="http://schemas.microsoft.com/office/powerpoint/2010/main" val="1634663040"/>
+      </p:ext>
+    </p:extLst>
+  </p:cSld>
+  <p:clrMapOvr>
+    <a:masterClrMapping/>
+  </p:clrMapOvr>
+</p:sld>
+</file>
+
 <file path=ppt/slides/slide2.xml><?xml version="1.0" encoding="utf-8"?>
 <p:sld xmlns:a="http://schemas.openxmlformats.org/drawingml/2006/main" xmlns:r="http://schemas.openxmlformats.org/officeDocument/2006/relationships" xmlns:p="http://schemas.openxmlformats.org/presentationml/2006/main">
   <p:cSld>
@@ -2333,6 +4505,1512 @@
     <p:extLst>
       <p:ext uri="{BB962C8B-B14F-4D97-AF65-F5344CB8AC3E}">
         <p14:creationId xmlns:p14="http://schemas.microsoft.com/office/powerpoint/2010/main" val="2618461148"/>
+      </p:ext>
+    </p:extLst>
+  </p:cSld>
+  <p:clrMapOvr>
+    <a:masterClrMapping/>
+  </p:clrMapOvr>
+</p:sld>
+</file>
+
+<file path=ppt/slides/slide3.xml><?xml version="1.0" encoding="utf-8"?>
+<p:sld xmlns:a="http://schemas.openxmlformats.org/drawingml/2006/main" xmlns:r="http://schemas.openxmlformats.org/officeDocument/2006/relationships" xmlns:p="http://schemas.openxmlformats.org/presentationml/2006/main">
+  <p:cSld>
+    <p:spTree>
+      <p:nvGrpSpPr>
+        <p:cNvPr id="1" name=""/>
+        <p:cNvGrpSpPr/>
+        <p:nvPr/>
+      </p:nvGrpSpPr>
+      <p:grpSpPr>
+        <a:xfrm>
+          <a:off x="0" y="0"/>
+          <a:ext cx="0" cy="0"/>
+          <a:chOff x="0" y="0"/>
+          <a:chExt cx="0" cy="0"/>
+        </a:xfrm>
+      </p:grpSpPr>
+      <p:pic>
+        <p:nvPicPr>
+          <p:cNvPr id="3" name="Picture 2"/>
+          <p:cNvPicPr>
+            <a:picLocks noChangeAspect="1" noChangeArrowheads="1"/>
+          </p:cNvPicPr>
+          <p:nvPr/>
+        </p:nvPicPr>
+        <p:blipFill>
+          <a:blip r:embed="rId2">
+            <a:extLst>
+              <a:ext uri="{28A0092B-C50C-407E-A947-70E740481C1C}">
+                <a14:useLocalDpi xmlns:a14="http://schemas.microsoft.com/office/drawing/2010/main" val="0"/>
+              </a:ext>
+            </a:extLst>
+          </a:blip>
+          <a:srcRect/>
+          <a:stretch>
+            <a:fillRect/>
+          </a:stretch>
+        </p:blipFill>
+        <p:spPr bwMode="auto">
+          <a:xfrm>
+            <a:off x="2051720" y="5877272"/>
+            <a:ext cx="1728192" cy="760648"/>
+          </a:xfrm>
+          <a:prstGeom prst="rect">
+            <a:avLst/>
+          </a:prstGeom>
+          <a:noFill/>
+          <a:ln>
+            <a:noFill/>
+          </a:ln>
+          <a:effectLst/>
+          <a:extLst>
+            <a:ext uri="{909E8E84-426E-40DD-AFC4-6F175D3DCCD1}">
+              <a14:hiddenFill xmlns:a14="http://schemas.microsoft.com/office/drawing/2010/main">
+                <a:solidFill>
+                  <a:schemeClr val="accent1"/>
+                </a:solidFill>
+              </a14:hiddenFill>
+            </a:ext>
+            <a:ext uri="{91240B29-F687-4F45-9708-019B960494DF}">
+              <a14:hiddenLine xmlns:a14="http://schemas.microsoft.com/office/drawing/2010/main" w="9525">
+                <a:solidFill>
+                  <a:schemeClr val="tx1"/>
+                </a:solidFill>
+                <a:miter lim="800000"/>
+                <a:headEnd/>
+                <a:tailEnd/>
+              </a14:hiddenLine>
+            </a:ext>
+            <a:ext uri="{AF507438-7753-43E0-B8FC-AC1667EBCBE1}">
+              <a14:hiddenEffects xmlns:a14="http://schemas.microsoft.com/office/drawing/2010/main">
+                <a:effectLst>
+                  <a:outerShdw dist="35921" dir="2700000" algn="ctr" rotWithShape="0">
+                    <a:schemeClr val="bg2"/>
+                  </a:outerShdw>
+                </a:effectLst>
+              </a14:hiddenEffects>
+            </a:ext>
+          </a:extLst>
+        </p:spPr>
+      </p:pic>
+      <p:sp>
+        <p:nvSpPr>
+          <p:cNvPr id="4" name="Título 1"/>
+          <p:cNvSpPr>
+            <a:spLocks noGrp="1"/>
+          </p:cNvSpPr>
+          <p:nvPr>
+            <p:ph type="title"/>
+          </p:nvPr>
+        </p:nvSpPr>
+        <p:spPr>
+          <a:xfrm>
+            <a:off x="323528" y="188640"/>
+            <a:ext cx="8229600" cy="790575"/>
+          </a:xfrm>
+        </p:spPr>
+        <p:txBody>
+          <a:bodyPr/>
+          <a:lstStyle/>
+          <a:p>
+            <a:r>
+              <a:rPr lang="pt-BR" b="1" dirty="0"/>
+              <a:t>INTRODUÇÃO</a:t>
+            </a:r>
+            <a:endParaRPr lang="pt-BR" dirty="0"/>
+          </a:p>
+        </p:txBody>
+      </p:sp>
+    </p:spTree>
+    <p:extLst>
+      <p:ext uri="{BB962C8B-B14F-4D97-AF65-F5344CB8AC3E}">
+        <p14:creationId xmlns:p14="http://schemas.microsoft.com/office/powerpoint/2010/main" val="4051663222"/>
+      </p:ext>
+    </p:extLst>
+  </p:cSld>
+  <p:clrMapOvr>
+    <a:masterClrMapping/>
+  </p:clrMapOvr>
+</p:sld>
+</file>
+
+<file path=ppt/slides/slide4.xml><?xml version="1.0" encoding="utf-8"?>
+<p:sld xmlns:a="http://schemas.openxmlformats.org/drawingml/2006/main" xmlns:r="http://schemas.openxmlformats.org/officeDocument/2006/relationships" xmlns:p="http://schemas.openxmlformats.org/presentationml/2006/main">
+  <p:cSld>
+    <p:spTree>
+      <p:nvGrpSpPr>
+        <p:cNvPr id="1" name=""/>
+        <p:cNvGrpSpPr/>
+        <p:nvPr/>
+      </p:nvGrpSpPr>
+      <p:grpSpPr>
+        <a:xfrm>
+          <a:off x="0" y="0"/>
+          <a:ext cx="0" cy="0"/>
+          <a:chOff x="0" y="0"/>
+          <a:chExt cx="0" cy="0"/>
+        </a:xfrm>
+      </p:grpSpPr>
+      <p:pic>
+        <p:nvPicPr>
+          <p:cNvPr id="3" name="Picture 2"/>
+          <p:cNvPicPr>
+            <a:picLocks noChangeAspect="1" noChangeArrowheads="1"/>
+          </p:cNvPicPr>
+          <p:nvPr/>
+        </p:nvPicPr>
+        <p:blipFill>
+          <a:blip r:embed="rId2">
+            <a:extLst>
+              <a:ext uri="{28A0092B-C50C-407E-A947-70E740481C1C}">
+                <a14:useLocalDpi xmlns:a14="http://schemas.microsoft.com/office/drawing/2010/main" val="0"/>
+              </a:ext>
+            </a:extLst>
+          </a:blip>
+          <a:srcRect/>
+          <a:stretch>
+            <a:fillRect/>
+          </a:stretch>
+        </p:blipFill>
+        <p:spPr bwMode="auto">
+          <a:xfrm>
+            <a:off x="2051720" y="5877272"/>
+            <a:ext cx="1728192" cy="760648"/>
+          </a:xfrm>
+          <a:prstGeom prst="rect">
+            <a:avLst/>
+          </a:prstGeom>
+          <a:noFill/>
+          <a:ln>
+            <a:noFill/>
+          </a:ln>
+          <a:effectLst/>
+          <a:extLst>
+            <a:ext uri="{909E8E84-426E-40DD-AFC4-6F175D3DCCD1}">
+              <a14:hiddenFill xmlns:a14="http://schemas.microsoft.com/office/drawing/2010/main">
+                <a:solidFill>
+                  <a:schemeClr val="accent1"/>
+                </a:solidFill>
+              </a14:hiddenFill>
+            </a:ext>
+            <a:ext uri="{91240B29-F687-4F45-9708-019B960494DF}">
+              <a14:hiddenLine xmlns:a14="http://schemas.microsoft.com/office/drawing/2010/main" w="9525">
+                <a:solidFill>
+                  <a:schemeClr val="tx1"/>
+                </a:solidFill>
+                <a:miter lim="800000"/>
+                <a:headEnd/>
+                <a:tailEnd/>
+              </a14:hiddenLine>
+            </a:ext>
+            <a:ext uri="{AF507438-7753-43E0-B8FC-AC1667EBCBE1}">
+              <a14:hiddenEffects xmlns:a14="http://schemas.microsoft.com/office/drawing/2010/main">
+                <a:effectLst>
+                  <a:outerShdw dist="35921" dir="2700000" algn="ctr" rotWithShape="0">
+                    <a:schemeClr val="bg2"/>
+                  </a:outerShdw>
+                </a:effectLst>
+              </a14:hiddenEffects>
+            </a:ext>
+          </a:extLst>
+        </p:spPr>
+      </p:pic>
+      <p:sp>
+        <p:nvSpPr>
+          <p:cNvPr id="4" name="Título 1"/>
+          <p:cNvSpPr>
+            <a:spLocks noGrp="1"/>
+          </p:cNvSpPr>
+          <p:nvPr>
+            <p:ph type="title"/>
+          </p:nvPr>
+        </p:nvSpPr>
+        <p:spPr>
+          <a:xfrm>
+            <a:off x="251520" y="404664"/>
+            <a:ext cx="8640960" cy="936104"/>
+          </a:xfrm>
+        </p:spPr>
+        <p:txBody>
+          <a:bodyPr>
+            <a:normAutofit fontScale="90000"/>
+          </a:bodyPr>
+          <a:lstStyle/>
+          <a:p>
+            <a:r>
+              <a:rPr lang="pt-BR" b="1" dirty="0"/>
+              <a:t>LEVANTAMENTO DE REQUISITOS</a:t>
+            </a:r>
+            <a:br>
+              <a:rPr lang="pt-BR" b="1" dirty="0"/>
+            </a:br>
+            <a:r>
+              <a:rPr lang="pt-BR" dirty="0"/>
+              <a:t>Empresa</a:t>
+            </a:r>
+          </a:p>
+        </p:txBody>
+      </p:sp>
+    </p:spTree>
+    <p:extLst>
+      <p:ext uri="{BB962C8B-B14F-4D97-AF65-F5344CB8AC3E}">
+        <p14:creationId xmlns:p14="http://schemas.microsoft.com/office/powerpoint/2010/main" val="3935387935"/>
+      </p:ext>
+    </p:extLst>
+  </p:cSld>
+  <p:clrMapOvr>
+    <a:masterClrMapping/>
+  </p:clrMapOvr>
+</p:sld>
+</file>
+
+<file path=ppt/slides/slide5.xml><?xml version="1.0" encoding="utf-8"?>
+<p:sld xmlns:a="http://schemas.openxmlformats.org/drawingml/2006/main" xmlns:r="http://schemas.openxmlformats.org/officeDocument/2006/relationships" xmlns:p="http://schemas.openxmlformats.org/presentationml/2006/main">
+  <p:cSld>
+    <p:spTree>
+      <p:nvGrpSpPr>
+        <p:cNvPr id="1" name=""/>
+        <p:cNvGrpSpPr/>
+        <p:nvPr/>
+      </p:nvGrpSpPr>
+      <p:grpSpPr>
+        <a:xfrm>
+          <a:off x="0" y="0"/>
+          <a:ext cx="0" cy="0"/>
+          <a:chOff x="0" y="0"/>
+          <a:chExt cx="0" cy="0"/>
+        </a:xfrm>
+      </p:grpSpPr>
+      <p:pic>
+        <p:nvPicPr>
+          <p:cNvPr id="3" name="Picture 2"/>
+          <p:cNvPicPr>
+            <a:picLocks noChangeAspect="1" noChangeArrowheads="1"/>
+          </p:cNvPicPr>
+          <p:nvPr/>
+        </p:nvPicPr>
+        <p:blipFill>
+          <a:blip r:embed="rId2">
+            <a:extLst>
+              <a:ext uri="{28A0092B-C50C-407E-A947-70E740481C1C}">
+                <a14:useLocalDpi xmlns:a14="http://schemas.microsoft.com/office/drawing/2010/main" val="0"/>
+              </a:ext>
+            </a:extLst>
+          </a:blip>
+          <a:srcRect/>
+          <a:stretch>
+            <a:fillRect/>
+          </a:stretch>
+        </p:blipFill>
+        <p:spPr bwMode="auto">
+          <a:xfrm>
+            <a:off x="2051720" y="5877272"/>
+            <a:ext cx="1728192" cy="760648"/>
+          </a:xfrm>
+          <a:prstGeom prst="rect">
+            <a:avLst/>
+          </a:prstGeom>
+          <a:noFill/>
+          <a:ln>
+            <a:noFill/>
+          </a:ln>
+          <a:effectLst/>
+          <a:extLst>
+            <a:ext uri="{909E8E84-426E-40DD-AFC4-6F175D3DCCD1}">
+              <a14:hiddenFill xmlns:a14="http://schemas.microsoft.com/office/drawing/2010/main">
+                <a:solidFill>
+                  <a:schemeClr val="accent1"/>
+                </a:solidFill>
+              </a14:hiddenFill>
+            </a:ext>
+            <a:ext uri="{91240B29-F687-4F45-9708-019B960494DF}">
+              <a14:hiddenLine xmlns:a14="http://schemas.microsoft.com/office/drawing/2010/main" w="9525">
+                <a:solidFill>
+                  <a:schemeClr val="tx1"/>
+                </a:solidFill>
+                <a:miter lim="800000"/>
+                <a:headEnd/>
+                <a:tailEnd/>
+              </a14:hiddenLine>
+            </a:ext>
+            <a:ext uri="{AF507438-7753-43E0-B8FC-AC1667EBCBE1}">
+              <a14:hiddenEffects xmlns:a14="http://schemas.microsoft.com/office/drawing/2010/main">
+                <a:effectLst>
+                  <a:outerShdw dist="35921" dir="2700000" algn="ctr" rotWithShape="0">
+                    <a:schemeClr val="bg2"/>
+                  </a:outerShdw>
+                </a:effectLst>
+              </a14:hiddenEffects>
+            </a:ext>
+          </a:extLst>
+        </p:spPr>
+      </p:pic>
+      <p:sp>
+        <p:nvSpPr>
+          <p:cNvPr id="4" name="Título 1"/>
+          <p:cNvSpPr>
+            <a:spLocks noGrp="1"/>
+          </p:cNvSpPr>
+          <p:nvPr>
+            <p:ph type="title"/>
+          </p:nvPr>
+        </p:nvSpPr>
+        <p:spPr>
+          <a:xfrm>
+            <a:off x="251520" y="404664"/>
+            <a:ext cx="8640960" cy="936104"/>
+          </a:xfrm>
+        </p:spPr>
+        <p:txBody>
+          <a:bodyPr>
+            <a:normAutofit fontScale="90000"/>
+          </a:bodyPr>
+          <a:lstStyle/>
+          <a:p>
+            <a:r>
+              <a:rPr lang="pt-BR" b="1" dirty="0"/>
+              <a:t>LEVANTAMENTO DE REQUISITOS</a:t>
+            </a:r>
+            <a:br>
+              <a:rPr lang="pt-BR" b="1" dirty="0"/>
+            </a:br>
+            <a:r>
+              <a:rPr lang="pt-BR" dirty="0"/>
+              <a:t>Problemas identificados</a:t>
+            </a:r>
+          </a:p>
+        </p:txBody>
+      </p:sp>
+    </p:spTree>
+    <p:extLst>
+      <p:ext uri="{BB962C8B-B14F-4D97-AF65-F5344CB8AC3E}">
+        <p14:creationId xmlns:p14="http://schemas.microsoft.com/office/powerpoint/2010/main" val="3056639985"/>
+      </p:ext>
+    </p:extLst>
+  </p:cSld>
+  <p:clrMapOvr>
+    <a:masterClrMapping/>
+  </p:clrMapOvr>
+</p:sld>
+</file>
+
+<file path=ppt/slides/slide6.xml><?xml version="1.0" encoding="utf-8"?>
+<p:sld xmlns:a="http://schemas.openxmlformats.org/drawingml/2006/main" xmlns:r="http://schemas.openxmlformats.org/officeDocument/2006/relationships" xmlns:p="http://schemas.openxmlformats.org/presentationml/2006/main">
+  <p:cSld>
+    <p:spTree>
+      <p:nvGrpSpPr>
+        <p:cNvPr id="1" name=""/>
+        <p:cNvGrpSpPr/>
+        <p:nvPr/>
+      </p:nvGrpSpPr>
+      <p:grpSpPr>
+        <a:xfrm>
+          <a:off x="0" y="0"/>
+          <a:ext cx="0" cy="0"/>
+          <a:chOff x="0" y="0"/>
+          <a:chExt cx="0" cy="0"/>
+        </a:xfrm>
+      </p:grpSpPr>
+      <p:pic>
+        <p:nvPicPr>
+          <p:cNvPr id="3" name="Picture 2"/>
+          <p:cNvPicPr>
+            <a:picLocks noChangeAspect="1" noChangeArrowheads="1"/>
+          </p:cNvPicPr>
+          <p:nvPr/>
+        </p:nvPicPr>
+        <p:blipFill>
+          <a:blip r:embed="rId2">
+            <a:extLst>
+              <a:ext uri="{28A0092B-C50C-407E-A947-70E740481C1C}">
+                <a14:useLocalDpi xmlns:a14="http://schemas.microsoft.com/office/drawing/2010/main" val="0"/>
+              </a:ext>
+            </a:extLst>
+          </a:blip>
+          <a:srcRect/>
+          <a:stretch>
+            <a:fillRect/>
+          </a:stretch>
+        </p:blipFill>
+        <p:spPr bwMode="auto">
+          <a:xfrm>
+            <a:off x="2051720" y="5877272"/>
+            <a:ext cx="1728192" cy="760648"/>
+          </a:xfrm>
+          <a:prstGeom prst="rect">
+            <a:avLst/>
+          </a:prstGeom>
+          <a:noFill/>
+          <a:ln>
+            <a:noFill/>
+          </a:ln>
+          <a:effectLst/>
+          <a:extLst>
+            <a:ext uri="{909E8E84-426E-40DD-AFC4-6F175D3DCCD1}">
+              <a14:hiddenFill xmlns:a14="http://schemas.microsoft.com/office/drawing/2010/main">
+                <a:solidFill>
+                  <a:schemeClr val="accent1"/>
+                </a:solidFill>
+              </a14:hiddenFill>
+            </a:ext>
+            <a:ext uri="{91240B29-F687-4F45-9708-019B960494DF}">
+              <a14:hiddenLine xmlns:a14="http://schemas.microsoft.com/office/drawing/2010/main" w="9525">
+                <a:solidFill>
+                  <a:schemeClr val="tx1"/>
+                </a:solidFill>
+                <a:miter lim="800000"/>
+                <a:headEnd/>
+                <a:tailEnd/>
+              </a14:hiddenLine>
+            </a:ext>
+            <a:ext uri="{AF507438-7753-43E0-B8FC-AC1667EBCBE1}">
+              <a14:hiddenEffects xmlns:a14="http://schemas.microsoft.com/office/drawing/2010/main">
+                <a:effectLst>
+                  <a:outerShdw dist="35921" dir="2700000" algn="ctr" rotWithShape="0">
+                    <a:schemeClr val="bg2"/>
+                  </a:outerShdw>
+                </a:effectLst>
+              </a14:hiddenEffects>
+            </a:ext>
+          </a:extLst>
+        </p:spPr>
+      </p:pic>
+      <p:sp>
+        <p:nvSpPr>
+          <p:cNvPr id="4" name="Título 1"/>
+          <p:cNvSpPr>
+            <a:spLocks noGrp="1"/>
+          </p:cNvSpPr>
+          <p:nvPr>
+            <p:ph type="title"/>
+          </p:nvPr>
+        </p:nvSpPr>
+        <p:spPr>
+          <a:xfrm>
+            <a:off x="251520" y="404664"/>
+            <a:ext cx="8640960" cy="936104"/>
+          </a:xfrm>
+        </p:spPr>
+        <p:txBody>
+          <a:bodyPr>
+            <a:normAutofit fontScale="90000"/>
+          </a:bodyPr>
+          <a:lstStyle/>
+          <a:p>
+            <a:r>
+              <a:rPr lang="pt-BR" b="1" dirty="0"/>
+              <a:t>LEVANTAMENTO DE REQUISITOS</a:t>
+            </a:r>
+            <a:br>
+              <a:rPr lang="pt-BR" b="1" dirty="0"/>
+            </a:br>
+            <a:r>
+              <a:rPr lang="pt-BR" dirty="0"/>
+              <a:t>Propósito do sistema</a:t>
+            </a:r>
+          </a:p>
+        </p:txBody>
+      </p:sp>
+    </p:spTree>
+    <p:extLst>
+      <p:ext uri="{BB962C8B-B14F-4D97-AF65-F5344CB8AC3E}">
+        <p14:creationId xmlns:p14="http://schemas.microsoft.com/office/powerpoint/2010/main" val="191137456"/>
+      </p:ext>
+    </p:extLst>
+  </p:cSld>
+  <p:clrMapOvr>
+    <a:masterClrMapping/>
+  </p:clrMapOvr>
+</p:sld>
+</file>
+
+<file path=ppt/slides/slide7.xml><?xml version="1.0" encoding="utf-8"?>
+<p:sld xmlns:a="http://schemas.openxmlformats.org/drawingml/2006/main" xmlns:r="http://schemas.openxmlformats.org/officeDocument/2006/relationships" xmlns:p="http://schemas.openxmlformats.org/presentationml/2006/main">
+  <p:cSld>
+    <p:spTree>
+      <p:nvGrpSpPr>
+        <p:cNvPr id="1" name=""/>
+        <p:cNvGrpSpPr/>
+        <p:nvPr/>
+      </p:nvGrpSpPr>
+      <p:grpSpPr>
+        <a:xfrm>
+          <a:off x="0" y="0"/>
+          <a:ext cx="0" cy="0"/>
+          <a:chOff x="0" y="0"/>
+          <a:chExt cx="0" cy="0"/>
+        </a:xfrm>
+      </p:grpSpPr>
+      <p:pic>
+        <p:nvPicPr>
+          <p:cNvPr id="3" name="Picture 2"/>
+          <p:cNvPicPr>
+            <a:picLocks noChangeAspect="1" noChangeArrowheads="1"/>
+          </p:cNvPicPr>
+          <p:nvPr/>
+        </p:nvPicPr>
+        <p:blipFill>
+          <a:blip r:embed="rId2">
+            <a:extLst>
+              <a:ext uri="{28A0092B-C50C-407E-A947-70E740481C1C}">
+                <a14:useLocalDpi xmlns:a14="http://schemas.microsoft.com/office/drawing/2010/main" val="0"/>
+              </a:ext>
+            </a:extLst>
+          </a:blip>
+          <a:srcRect/>
+          <a:stretch>
+            <a:fillRect/>
+          </a:stretch>
+        </p:blipFill>
+        <p:spPr bwMode="auto">
+          <a:xfrm>
+            <a:off x="2051720" y="5877272"/>
+            <a:ext cx="1728192" cy="760648"/>
+          </a:xfrm>
+          <a:prstGeom prst="rect">
+            <a:avLst/>
+          </a:prstGeom>
+          <a:noFill/>
+          <a:ln>
+            <a:noFill/>
+          </a:ln>
+          <a:effectLst/>
+          <a:extLst>
+            <a:ext uri="{909E8E84-426E-40DD-AFC4-6F175D3DCCD1}">
+              <a14:hiddenFill xmlns:a14="http://schemas.microsoft.com/office/drawing/2010/main">
+                <a:solidFill>
+                  <a:schemeClr val="accent1"/>
+                </a:solidFill>
+              </a14:hiddenFill>
+            </a:ext>
+            <a:ext uri="{91240B29-F687-4F45-9708-019B960494DF}">
+              <a14:hiddenLine xmlns:a14="http://schemas.microsoft.com/office/drawing/2010/main" w="9525">
+                <a:solidFill>
+                  <a:schemeClr val="tx1"/>
+                </a:solidFill>
+                <a:miter lim="800000"/>
+                <a:headEnd/>
+                <a:tailEnd/>
+              </a14:hiddenLine>
+            </a:ext>
+            <a:ext uri="{AF507438-7753-43E0-B8FC-AC1667EBCBE1}">
+              <a14:hiddenEffects xmlns:a14="http://schemas.microsoft.com/office/drawing/2010/main">
+                <a:effectLst>
+                  <a:outerShdw dist="35921" dir="2700000" algn="ctr" rotWithShape="0">
+                    <a:schemeClr val="bg2"/>
+                  </a:outerShdw>
+                </a:effectLst>
+              </a14:hiddenEffects>
+            </a:ext>
+          </a:extLst>
+        </p:spPr>
+      </p:pic>
+      <p:sp>
+        <p:nvSpPr>
+          <p:cNvPr id="4" name="Título 1"/>
+          <p:cNvSpPr>
+            <a:spLocks noGrp="1"/>
+          </p:cNvSpPr>
+          <p:nvPr>
+            <p:ph type="title"/>
+          </p:nvPr>
+        </p:nvSpPr>
+        <p:spPr>
+          <a:xfrm>
+            <a:off x="251520" y="404664"/>
+            <a:ext cx="8640960" cy="936104"/>
+          </a:xfrm>
+        </p:spPr>
+        <p:txBody>
+          <a:bodyPr>
+            <a:normAutofit fontScale="90000"/>
+          </a:bodyPr>
+          <a:lstStyle/>
+          <a:p>
+            <a:r>
+              <a:rPr lang="pt-BR" b="1" dirty="0"/>
+              <a:t>REQUISITOS DO SISTEMA	</a:t>
+            </a:r>
+            <a:br>
+              <a:rPr lang="pt-BR" b="1" dirty="0"/>
+            </a:br>
+            <a:r>
+              <a:rPr lang="pt-BR" dirty="0"/>
+              <a:t>Lista de atores do sistema</a:t>
+            </a:r>
+          </a:p>
+        </p:txBody>
+      </p:sp>
+    </p:spTree>
+    <p:extLst>
+      <p:ext uri="{BB962C8B-B14F-4D97-AF65-F5344CB8AC3E}">
+        <p14:creationId xmlns:p14="http://schemas.microsoft.com/office/powerpoint/2010/main" val="4190610454"/>
+      </p:ext>
+    </p:extLst>
+  </p:cSld>
+  <p:clrMapOvr>
+    <a:masterClrMapping/>
+  </p:clrMapOvr>
+</p:sld>
+</file>
+
+<file path=ppt/slides/slide8.xml><?xml version="1.0" encoding="utf-8"?>
+<p:sld xmlns:a="http://schemas.openxmlformats.org/drawingml/2006/main" xmlns:r="http://schemas.openxmlformats.org/officeDocument/2006/relationships" xmlns:p="http://schemas.openxmlformats.org/presentationml/2006/main">
+  <p:cSld>
+    <p:spTree>
+      <p:nvGrpSpPr>
+        <p:cNvPr id="1" name=""/>
+        <p:cNvGrpSpPr/>
+        <p:nvPr/>
+      </p:nvGrpSpPr>
+      <p:grpSpPr>
+        <a:xfrm>
+          <a:off x="0" y="0"/>
+          <a:ext cx="0" cy="0"/>
+          <a:chOff x="0" y="0"/>
+          <a:chExt cx="0" cy="0"/>
+        </a:xfrm>
+      </p:grpSpPr>
+      <p:pic>
+        <p:nvPicPr>
+          <p:cNvPr id="3" name="Picture 2"/>
+          <p:cNvPicPr>
+            <a:picLocks noChangeAspect="1" noChangeArrowheads="1"/>
+          </p:cNvPicPr>
+          <p:nvPr/>
+        </p:nvPicPr>
+        <p:blipFill>
+          <a:blip r:embed="rId2">
+            <a:extLst>
+              <a:ext uri="{28A0092B-C50C-407E-A947-70E740481C1C}">
+                <a14:useLocalDpi xmlns:a14="http://schemas.microsoft.com/office/drawing/2010/main" val="0"/>
+              </a:ext>
+            </a:extLst>
+          </a:blip>
+          <a:srcRect/>
+          <a:stretch>
+            <a:fillRect/>
+          </a:stretch>
+        </p:blipFill>
+        <p:spPr bwMode="auto">
+          <a:xfrm>
+            <a:off x="2051720" y="5877272"/>
+            <a:ext cx="1728192" cy="760648"/>
+          </a:xfrm>
+          <a:prstGeom prst="rect">
+            <a:avLst/>
+          </a:prstGeom>
+          <a:noFill/>
+          <a:ln>
+            <a:noFill/>
+          </a:ln>
+          <a:effectLst/>
+          <a:extLst>
+            <a:ext uri="{909E8E84-426E-40DD-AFC4-6F175D3DCCD1}">
+              <a14:hiddenFill xmlns:a14="http://schemas.microsoft.com/office/drawing/2010/main">
+                <a:solidFill>
+                  <a:schemeClr val="accent1"/>
+                </a:solidFill>
+              </a14:hiddenFill>
+            </a:ext>
+            <a:ext uri="{91240B29-F687-4F45-9708-019B960494DF}">
+              <a14:hiddenLine xmlns:a14="http://schemas.microsoft.com/office/drawing/2010/main" w="9525">
+                <a:solidFill>
+                  <a:schemeClr val="tx1"/>
+                </a:solidFill>
+                <a:miter lim="800000"/>
+                <a:headEnd/>
+                <a:tailEnd/>
+              </a14:hiddenLine>
+            </a:ext>
+            <a:ext uri="{AF507438-7753-43E0-B8FC-AC1667EBCBE1}">
+              <a14:hiddenEffects xmlns:a14="http://schemas.microsoft.com/office/drawing/2010/main">
+                <a:effectLst>
+                  <a:outerShdw dist="35921" dir="2700000" algn="ctr" rotWithShape="0">
+                    <a:schemeClr val="bg2"/>
+                  </a:outerShdw>
+                </a:effectLst>
+              </a14:hiddenEffects>
+            </a:ext>
+          </a:extLst>
+        </p:spPr>
+      </p:pic>
+      <p:sp>
+        <p:nvSpPr>
+          <p:cNvPr id="4" name="Título 1"/>
+          <p:cNvSpPr>
+            <a:spLocks noGrp="1"/>
+          </p:cNvSpPr>
+          <p:nvPr>
+            <p:ph type="title"/>
+          </p:nvPr>
+        </p:nvSpPr>
+        <p:spPr>
+          <a:xfrm>
+            <a:off x="251520" y="476672"/>
+            <a:ext cx="8640960" cy="792088"/>
+          </a:xfrm>
+        </p:spPr>
+        <p:txBody>
+          <a:bodyPr>
+            <a:normAutofit fontScale="90000"/>
+          </a:bodyPr>
+          <a:lstStyle/>
+          <a:p>
+            <a:r>
+              <a:rPr lang="pt-BR" b="1" dirty="0"/>
+              <a:t>REQUISITOS DO SISTEMA	</a:t>
+            </a:r>
+            <a:br>
+              <a:rPr lang="pt-BR" b="1" dirty="0"/>
+            </a:br>
+            <a:r>
+              <a:rPr lang="pt-BR" dirty="0"/>
+              <a:t>Lista de casos de uso</a:t>
+            </a:r>
+          </a:p>
+        </p:txBody>
+      </p:sp>
+      <p:sp>
+        <p:nvSpPr>
+          <p:cNvPr id="5" name="Espaço Reservado para Conteúdo 2"/>
+          <p:cNvSpPr txBox="1">
+            <a:spLocks/>
+          </p:cNvSpPr>
+          <p:nvPr/>
+        </p:nvSpPr>
+        <p:spPr>
+          <a:xfrm>
+            <a:off x="1115616" y="1700808"/>
+            <a:ext cx="7776864" cy="4032895"/>
+          </a:xfrm>
+          <a:prstGeom prst="rect">
+            <a:avLst/>
+          </a:prstGeom>
+        </p:spPr>
+        <p:txBody>
+          <a:bodyPr/>
+          <a:lstStyle>
+            <a:lvl1pPr marL="342900" indent="-342900" algn="l" defTabSz="914400" rtl="0" eaLnBrk="1" latinLnBrk="0" hangingPunct="1">
+              <a:spcBef>
+                <a:spcPct val="20000"/>
+              </a:spcBef>
+              <a:buFont typeface="Arial" pitchFamily="34" charset="0"/>
+              <a:buChar char="•"/>
+              <a:defRPr sz="3200" kern="1200">
+                <a:solidFill>
+                  <a:schemeClr val="tx1"/>
+                </a:solidFill>
+                <a:latin typeface="+mn-lt"/>
+                <a:ea typeface="+mn-ea"/>
+                <a:cs typeface="+mn-cs"/>
+              </a:defRPr>
+            </a:lvl1pPr>
+            <a:lvl2pPr marL="742950" indent="-285750" algn="l" defTabSz="914400" rtl="0" eaLnBrk="1" latinLnBrk="0" hangingPunct="1">
+              <a:spcBef>
+                <a:spcPct val="20000"/>
+              </a:spcBef>
+              <a:buFont typeface="Arial" pitchFamily="34" charset="0"/>
+              <a:buChar char="–"/>
+              <a:defRPr sz="2800" kern="1200">
+                <a:solidFill>
+                  <a:schemeClr val="tx1"/>
+                </a:solidFill>
+                <a:latin typeface="+mn-lt"/>
+                <a:ea typeface="+mn-ea"/>
+                <a:cs typeface="+mn-cs"/>
+              </a:defRPr>
+            </a:lvl2pPr>
+            <a:lvl3pPr marL="1143000" indent="-228600" algn="l" defTabSz="914400" rtl="0" eaLnBrk="1" latinLnBrk="0" hangingPunct="1">
+              <a:spcBef>
+                <a:spcPct val="20000"/>
+              </a:spcBef>
+              <a:buFont typeface="Arial" pitchFamily="34" charset="0"/>
+              <a:buChar char="•"/>
+              <a:defRPr sz="2400" kern="1200">
+                <a:solidFill>
+                  <a:schemeClr val="tx1"/>
+                </a:solidFill>
+                <a:latin typeface="+mn-lt"/>
+                <a:ea typeface="+mn-ea"/>
+                <a:cs typeface="+mn-cs"/>
+              </a:defRPr>
+            </a:lvl3pPr>
+            <a:lvl4pPr marL="1600200" indent="-228600" algn="l" defTabSz="914400" rtl="0" eaLnBrk="1" latinLnBrk="0" hangingPunct="1">
+              <a:spcBef>
+                <a:spcPct val="20000"/>
+              </a:spcBef>
+              <a:buFont typeface="Arial" pitchFamily="34" charset="0"/>
+              <a:buChar char="–"/>
+              <a:defRPr sz="2000" kern="1200">
+                <a:solidFill>
+                  <a:schemeClr val="tx1"/>
+                </a:solidFill>
+                <a:latin typeface="+mn-lt"/>
+                <a:ea typeface="+mn-ea"/>
+                <a:cs typeface="+mn-cs"/>
+              </a:defRPr>
+            </a:lvl4pPr>
+            <a:lvl5pPr marL="2057400" indent="-228600" algn="l" defTabSz="914400" rtl="0" eaLnBrk="1" latinLnBrk="0" hangingPunct="1">
+              <a:spcBef>
+                <a:spcPct val="20000"/>
+              </a:spcBef>
+              <a:buFont typeface="Arial" pitchFamily="34" charset="0"/>
+              <a:buChar char="»"/>
+              <a:defRPr sz="2000" kern="1200">
+                <a:solidFill>
+                  <a:schemeClr val="tx1"/>
+                </a:solidFill>
+                <a:latin typeface="+mn-lt"/>
+                <a:ea typeface="+mn-ea"/>
+                <a:cs typeface="+mn-cs"/>
+              </a:defRPr>
+            </a:lvl5pPr>
+            <a:lvl6pPr marL="2514600" indent="-228600" algn="l" defTabSz="914400" rtl="0" eaLnBrk="1" latinLnBrk="0" hangingPunct="1">
+              <a:spcBef>
+                <a:spcPct val="20000"/>
+              </a:spcBef>
+              <a:buFont typeface="Arial" pitchFamily="34" charset="0"/>
+              <a:buChar char="•"/>
+              <a:defRPr sz="2000" kern="1200">
+                <a:solidFill>
+                  <a:schemeClr val="tx1"/>
+                </a:solidFill>
+                <a:latin typeface="+mn-lt"/>
+                <a:ea typeface="+mn-ea"/>
+                <a:cs typeface="+mn-cs"/>
+              </a:defRPr>
+            </a:lvl6pPr>
+            <a:lvl7pPr marL="2971800" indent="-228600" algn="l" defTabSz="914400" rtl="0" eaLnBrk="1" latinLnBrk="0" hangingPunct="1">
+              <a:spcBef>
+                <a:spcPct val="20000"/>
+              </a:spcBef>
+              <a:buFont typeface="Arial" pitchFamily="34" charset="0"/>
+              <a:buChar char="•"/>
+              <a:defRPr sz="2000" kern="1200">
+                <a:solidFill>
+                  <a:schemeClr val="tx1"/>
+                </a:solidFill>
+                <a:latin typeface="+mn-lt"/>
+                <a:ea typeface="+mn-ea"/>
+                <a:cs typeface="+mn-cs"/>
+              </a:defRPr>
+            </a:lvl7pPr>
+            <a:lvl8pPr marL="3429000" indent="-228600" algn="l" defTabSz="914400" rtl="0" eaLnBrk="1" latinLnBrk="0" hangingPunct="1">
+              <a:spcBef>
+                <a:spcPct val="20000"/>
+              </a:spcBef>
+              <a:buFont typeface="Arial" pitchFamily="34" charset="0"/>
+              <a:buChar char="•"/>
+              <a:defRPr sz="2000" kern="1200">
+                <a:solidFill>
+                  <a:schemeClr val="tx1"/>
+                </a:solidFill>
+                <a:latin typeface="+mn-lt"/>
+                <a:ea typeface="+mn-ea"/>
+                <a:cs typeface="+mn-cs"/>
+              </a:defRPr>
+            </a:lvl8pPr>
+            <a:lvl9pPr marL="3886200" indent="-228600" algn="l" defTabSz="914400" rtl="0" eaLnBrk="1" latinLnBrk="0" hangingPunct="1">
+              <a:spcBef>
+                <a:spcPct val="20000"/>
+              </a:spcBef>
+              <a:buFont typeface="Arial" pitchFamily="34" charset="0"/>
+              <a:buChar char="•"/>
+              <a:defRPr sz="2000" kern="1200">
+                <a:solidFill>
+                  <a:schemeClr val="tx1"/>
+                </a:solidFill>
+                <a:latin typeface="+mn-lt"/>
+                <a:ea typeface="+mn-ea"/>
+                <a:cs typeface="+mn-cs"/>
+              </a:defRPr>
+            </a:lvl9pPr>
+          </a:lstStyle>
+          <a:p>
+            <a:pPr>
+              <a:buNone/>
+            </a:pPr>
+            <a:r>
+              <a:rPr lang="pt-BR" sz="1600" b="1" dirty="0"/>
+              <a:t>1 INTRODUÇÃO</a:t>
+            </a:r>
+          </a:p>
+          <a:p>
+            <a:pPr>
+              <a:buNone/>
+            </a:pPr>
+            <a:r>
+              <a:rPr lang="pt-BR" sz="1600" b="1" dirty="0"/>
+              <a:t>2 LEVANTAMENTO DE REQUISITOS</a:t>
+            </a:r>
+          </a:p>
+          <a:p>
+            <a:pPr>
+              <a:buNone/>
+            </a:pPr>
+            <a:r>
+              <a:rPr lang="pt-BR" sz="1600" dirty="0"/>
+              <a:t>2.1 Empresa</a:t>
+            </a:r>
+          </a:p>
+          <a:p>
+            <a:pPr>
+              <a:buNone/>
+            </a:pPr>
+            <a:r>
+              <a:rPr lang="pt-BR" sz="1600" dirty="0"/>
+              <a:t>2.2 Problemas identificados</a:t>
+            </a:r>
+          </a:p>
+          <a:p>
+            <a:pPr>
+              <a:buNone/>
+            </a:pPr>
+            <a:r>
+              <a:rPr lang="pt-BR" sz="1600" dirty="0"/>
+              <a:t>2.3 Propósito do sistema</a:t>
+            </a:r>
+          </a:p>
+          <a:p>
+            <a:pPr>
+              <a:buNone/>
+            </a:pPr>
+            <a:r>
+              <a:rPr lang="pt-BR" sz="1600" b="1" dirty="0"/>
+              <a:t>3 REQUISITOS DO SISTEMA	</a:t>
+            </a:r>
+          </a:p>
+          <a:p>
+            <a:pPr>
+              <a:buNone/>
+            </a:pPr>
+            <a:r>
+              <a:rPr lang="pt-BR" sz="1600" dirty="0"/>
+              <a:t>3.1 Lista de atores do sistema</a:t>
+            </a:r>
+          </a:p>
+          <a:p>
+            <a:pPr>
+              <a:buNone/>
+            </a:pPr>
+            <a:r>
+              <a:rPr lang="pt-BR" sz="1600" dirty="0"/>
+              <a:t>3.2 Lista de casos de uso</a:t>
+            </a:r>
+          </a:p>
+          <a:p>
+            <a:pPr>
+              <a:buNone/>
+            </a:pPr>
+            <a:r>
+              <a:rPr lang="pt-BR" sz="1600" dirty="0"/>
+              <a:t>3.3 Diagrama de contexto do sistema</a:t>
+            </a:r>
+          </a:p>
+          <a:p>
+            <a:pPr>
+              <a:buNone/>
+            </a:pPr>
+            <a:r>
+              <a:rPr lang="pt-BR" sz="1600" dirty="0"/>
+              <a:t>3.4 Representação e documentação dos diagramas de casos de uso (até 3)</a:t>
+            </a:r>
+          </a:p>
+          <a:p>
+            <a:pPr>
+              <a:buNone/>
+            </a:pPr>
+            <a:r>
+              <a:rPr lang="pt-BR" sz="1600" b="1" dirty="0"/>
+              <a:t>4 ANÁLISE ORIENTADA A OBJETO</a:t>
+            </a:r>
+          </a:p>
+          <a:p>
+            <a:pPr>
+              <a:buNone/>
+            </a:pPr>
+            <a:r>
+              <a:rPr lang="pt-BR" sz="1600" dirty="0"/>
+              <a:t>4.1 Diagrama de classes</a:t>
+            </a:r>
+          </a:p>
+          <a:p>
+            <a:pPr>
+              <a:buNone/>
+            </a:pPr>
+            <a:r>
+              <a:rPr lang="pt-BR" sz="1600" dirty="0"/>
+              <a:t>4.2 Diagrama de sequências (até 3)</a:t>
+            </a:r>
+          </a:p>
+          <a:p>
+            <a:pPr>
+              <a:buNone/>
+            </a:pPr>
+            <a:r>
+              <a:rPr lang="pt-BR" sz="1600" b="1" dirty="0"/>
+              <a:t>5 ESPECIFICAÇÃO DOS LAYOUTS</a:t>
+            </a:r>
+          </a:p>
+          <a:p>
+            <a:pPr>
+              <a:buNone/>
+            </a:pPr>
+            <a:r>
+              <a:rPr lang="pt-BR" sz="1600" dirty="0"/>
+              <a:t>5.1 Layout da página principal</a:t>
+            </a:r>
+          </a:p>
+          <a:p>
+            <a:pPr>
+              <a:buNone/>
+            </a:pPr>
+            <a:r>
+              <a:rPr lang="pt-BR" sz="1600" dirty="0"/>
+              <a:t>5.2 Mapa do site</a:t>
+            </a:r>
+          </a:p>
+        </p:txBody>
+      </p:sp>
+    </p:spTree>
+    <p:extLst>
+      <p:ext uri="{BB962C8B-B14F-4D97-AF65-F5344CB8AC3E}">
+        <p14:creationId xmlns:p14="http://schemas.microsoft.com/office/powerpoint/2010/main" val="506183007"/>
+      </p:ext>
+    </p:extLst>
+  </p:cSld>
+  <p:clrMapOvr>
+    <a:masterClrMapping/>
+  </p:clrMapOvr>
+</p:sld>
+</file>
+
+<file path=ppt/slides/slide9.xml><?xml version="1.0" encoding="utf-8"?>
+<p:sld xmlns:a="http://schemas.openxmlformats.org/drawingml/2006/main" xmlns:r="http://schemas.openxmlformats.org/officeDocument/2006/relationships" xmlns:p="http://schemas.openxmlformats.org/presentationml/2006/main">
+  <p:cSld>
+    <p:spTree>
+      <p:nvGrpSpPr>
+        <p:cNvPr id="1" name=""/>
+        <p:cNvGrpSpPr/>
+        <p:nvPr/>
+      </p:nvGrpSpPr>
+      <p:grpSpPr>
+        <a:xfrm>
+          <a:off x="0" y="0"/>
+          <a:ext cx="0" cy="0"/>
+          <a:chOff x="0" y="0"/>
+          <a:chExt cx="0" cy="0"/>
+        </a:xfrm>
+      </p:grpSpPr>
+      <p:pic>
+        <p:nvPicPr>
+          <p:cNvPr id="3" name="Picture 2"/>
+          <p:cNvPicPr>
+            <a:picLocks noChangeAspect="1" noChangeArrowheads="1"/>
+          </p:cNvPicPr>
+          <p:nvPr/>
+        </p:nvPicPr>
+        <p:blipFill>
+          <a:blip r:embed="rId2">
+            <a:extLst>
+              <a:ext uri="{28A0092B-C50C-407E-A947-70E740481C1C}">
+                <a14:useLocalDpi xmlns:a14="http://schemas.microsoft.com/office/drawing/2010/main" val="0"/>
+              </a:ext>
+            </a:extLst>
+          </a:blip>
+          <a:srcRect/>
+          <a:stretch>
+            <a:fillRect/>
+          </a:stretch>
+        </p:blipFill>
+        <p:spPr bwMode="auto">
+          <a:xfrm>
+            <a:off x="2051720" y="5877272"/>
+            <a:ext cx="1728192" cy="760648"/>
+          </a:xfrm>
+          <a:prstGeom prst="rect">
+            <a:avLst/>
+          </a:prstGeom>
+          <a:noFill/>
+          <a:ln>
+            <a:noFill/>
+          </a:ln>
+          <a:effectLst/>
+          <a:extLst>
+            <a:ext uri="{909E8E84-426E-40DD-AFC4-6F175D3DCCD1}">
+              <a14:hiddenFill xmlns:a14="http://schemas.microsoft.com/office/drawing/2010/main">
+                <a:solidFill>
+                  <a:schemeClr val="accent1"/>
+                </a:solidFill>
+              </a14:hiddenFill>
+            </a:ext>
+            <a:ext uri="{91240B29-F687-4F45-9708-019B960494DF}">
+              <a14:hiddenLine xmlns:a14="http://schemas.microsoft.com/office/drawing/2010/main" w="9525">
+                <a:solidFill>
+                  <a:schemeClr val="tx1"/>
+                </a:solidFill>
+                <a:miter lim="800000"/>
+                <a:headEnd/>
+                <a:tailEnd/>
+              </a14:hiddenLine>
+            </a:ext>
+            <a:ext uri="{AF507438-7753-43E0-B8FC-AC1667EBCBE1}">
+              <a14:hiddenEffects xmlns:a14="http://schemas.microsoft.com/office/drawing/2010/main">
+                <a:effectLst>
+                  <a:outerShdw dist="35921" dir="2700000" algn="ctr" rotWithShape="0">
+                    <a:schemeClr val="bg2"/>
+                  </a:outerShdw>
+                </a:effectLst>
+              </a14:hiddenEffects>
+            </a:ext>
+          </a:extLst>
+        </p:spPr>
+      </p:pic>
+      <p:sp>
+        <p:nvSpPr>
+          <p:cNvPr id="4" name="Título 1"/>
+          <p:cNvSpPr>
+            <a:spLocks noGrp="1"/>
+          </p:cNvSpPr>
+          <p:nvPr>
+            <p:ph type="title"/>
+          </p:nvPr>
+        </p:nvSpPr>
+        <p:spPr>
+          <a:xfrm>
+            <a:off x="251520" y="476672"/>
+            <a:ext cx="8640960" cy="792088"/>
+          </a:xfrm>
+        </p:spPr>
+        <p:txBody>
+          <a:bodyPr>
+            <a:normAutofit fontScale="90000"/>
+          </a:bodyPr>
+          <a:lstStyle/>
+          <a:p>
+            <a:r>
+              <a:rPr lang="pt-BR" b="1" dirty="0"/>
+              <a:t>REQUISITOS DO SISTEMA	</a:t>
+            </a:r>
+            <a:br>
+              <a:rPr lang="pt-BR" b="1" dirty="0"/>
+            </a:br>
+            <a:r>
+              <a:rPr lang="pt-BR" dirty="0"/>
+              <a:t>Diagrama de contexto do sistema</a:t>
+            </a:r>
+          </a:p>
+        </p:txBody>
+      </p:sp>
+      <p:sp>
+        <p:nvSpPr>
+          <p:cNvPr id="5" name="Espaço Reservado para Conteúdo 2"/>
+          <p:cNvSpPr txBox="1">
+            <a:spLocks/>
+          </p:cNvSpPr>
+          <p:nvPr/>
+        </p:nvSpPr>
+        <p:spPr>
+          <a:xfrm>
+            <a:off x="1115616" y="1700808"/>
+            <a:ext cx="7776864" cy="4032895"/>
+          </a:xfrm>
+          <a:prstGeom prst="rect">
+            <a:avLst/>
+          </a:prstGeom>
+        </p:spPr>
+        <p:txBody>
+          <a:bodyPr/>
+          <a:lstStyle>
+            <a:lvl1pPr marL="342900" indent="-342900" algn="l" defTabSz="914400" rtl="0" eaLnBrk="1" latinLnBrk="0" hangingPunct="1">
+              <a:spcBef>
+                <a:spcPct val="20000"/>
+              </a:spcBef>
+              <a:buFont typeface="Arial" pitchFamily="34" charset="0"/>
+              <a:buChar char="•"/>
+              <a:defRPr sz="3200" kern="1200">
+                <a:solidFill>
+                  <a:schemeClr val="tx1"/>
+                </a:solidFill>
+                <a:latin typeface="+mn-lt"/>
+                <a:ea typeface="+mn-ea"/>
+                <a:cs typeface="+mn-cs"/>
+              </a:defRPr>
+            </a:lvl1pPr>
+            <a:lvl2pPr marL="742950" indent="-285750" algn="l" defTabSz="914400" rtl="0" eaLnBrk="1" latinLnBrk="0" hangingPunct="1">
+              <a:spcBef>
+                <a:spcPct val="20000"/>
+              </a:spcBef>
+              <a:buFont typeface="Arial" pitchFamily="34" charset="0"/>
+              <a:buChar char="–"/>
+              <a:defRPr sz="2800" kern="1200">
+                <a:solidFill>
+                  <a:schemeClr val="tx1"/>
+                </a:solidFill>
+                <a:latin typeface="+mn-lt"/>
+                <a:ea typeface="+mn-ea"/>
+                <a:cs typeface="+mn-cs"/>
+              </a:defRPr>
+            </a:lvl2pPr>
+            <a:lvl3pPr marL="1143000" indent="-228600" algn="l" defTabSz="914400" rtl="0" eaLnBrk="1" latinLnBrk="0" hangingPunct="1">
+              <a:spcBef>
+                <a:spcPct val="20000"/>
+              </a:spcBef>
+              <a:buFont typeface="Arial" pitchFamily="34" charset="0"/>
+              <a:buChar char="•"/>
+              <a:defRPr sz="2400" kern="1200">
+                <a:solidFill>
+                  <a:schemeClr val="tx1"/>
+                </a:solidFill>
+                <a:latin typeface="+mn-lt"/>
+                <a:ea typeface="+mn-ea"/>
+                <a:cs typeface="+mn-cs"/>
+              </a:defRPr>
+            </a:lvl3pPr>
+            <a:lvl4pPr marL="1600200" indent="-228600" algn="l" defTabSz="914400" rtl="0" eaLnBrk="1" latinLnBrk="0" hangingPunct="1">
+              <a:spcBef>
+                <a:spcPct val="20000"/>
+              </a:spcBef>
+              <a:buFont typeface="Arial" pitchFamily="34" charset="0"/>
+              <a:buChar char="–"/>
+              <a:defRPr sz="2000" kern="1200">
+                <a:solidFill>
+                  <a:schemeClr val="tx1"/>
+                </a:solidFill>
+                <a:latin typeface="+mn-lt"/>
+                <a:ea typeface="+mn-ea"/>
+                <a:cs typeface="+mn-cs"/>
+              </a:defRPr>
+            </a:lvl4pPr>
+            <a:lvl5pPr marL="2057400" indent="-228600" algn="l" defTabSz="914400" rtl="0" eaLnBrk="1" latinLnBrk="0" hangingPunct="1">
+              <a:spcBef>
+                <a:spcPct val="20000"/>
+              </a:spcBef>
+              <a:buFont typeface="Arial" pitchFamily="34" charset="0"/>
+              <a:buChar char="»"/>
+              <a:defRPr sz="2000" kern="1200">
+                <a:solidFill>
+                  <a:schemeClr val="tx1"/>
+                </a:solidFill>
+                <a:latin typeface="+mn-lt"/>
+                <a:ea typeface="+mn-ea"/>
+                <a:cs typeface="+mn-cs"/>
+              </a:defRPr>
+            </a:lvl5pPr>
+            <a:lvl6pPr marL="2514600" indent="-228600" algn="l" defTabSz="914400" rtl="0" eaLnBrk="1" latinLnBrk="0" hangingPunct="1">
+              <a:spcBef>
+                <a:spcPct val="20000"/>
+              </a:spcBef>
+              <a:buFont typeface="Arial" pitchFamily="34" charset="0"/>
+              <a:buChar char="•"/>
+              <a:defRPr sz="2000" kern="1200">
+                <a:solidFill>
+                  <a:schemeClr val="tx1"/>
+                </a:solidFill>
+                <a:latin typeface="+mn-lt"/>
+                <a:ea typeface="+mn-ea"/>
+                <a:cs typeface="+mn-cs"/>
+              </a:defRPr>
+            </a:lvl6pPr>
+            <a:lvl7pPr marL="2971800" indent="-228600" algn="l" defTabSz="914400" rtl="0" eaLnBrk="1" latinLnBrk="0" hangingPunct="1">
+              <a:spcBef>
+                <a:spcPct val="20000"/>
+              </a:spcBef>
+              <a:buFont typeface="Arial" pitchFamily="34" charset="0"/>
+              <a:buChar char="•"/>
+              <a:defRPr sz="2000" kern="1200">
+                <a:solidFill>
+                  <a:schemeClr val="tx1"/>
+                </a:solidFill>
+                <a:latin typeface="+mn-lt"/>
+                <a:ea typeface="+mn-ea"/>
+                <a:cs typeface="+mn-cs"/>
+              </a:defRPr>
+            </a:lvl7pPr>
+            <a:lvl8pPr marL="3429000" indent="-228600" algn="l" defTabSz="914400" rtl="0" eaLnBrk="1" latinLnBrk="0" hangingPunct="1">
+              <a:spcBef>
+                <a:spcPct val="20000"/>
+              </a:spcBef>
+              <a:buFont typeface="Arial" pitchFamily="34" charset="0"/>
+              <a:buChar char="•"/>
+              <a:defRPr sz="2000" kern="1200">
+                <a:solidFill>
+                  <a:schemeClr val="tx1"/>
+                </a:solidFill>
+                <a:latin typeface="+mn-lt"/>
+                <a:ea typeface="+mn-ea"/>
+                <a:cs typeface="+mn-cs"/>
+              </a:defRPr>
+            </a:lvl8pPr>
+            <a:lvl9pPr marL="3886200" indent="-228600" algn="l" defTabSz="914400" rtl="0" eaLnBrk="1" latinLnBrk="0" hangingPunct="1">
+              <a:spcBef>
+                <a:spcPct val="20000"/>
+              </a:spcBef>
+              <a:buFont typeface="Arial" pitchFamily="34" charset="0"/>
+              <a:buChar char="•"/>
+              <a:defRPr sz="2000" kern="1200">
+                <a:solidFill>
+                  <a:schemeClr val="tx1"/>
+                </a:solidFill>
+                <a:latin typeface="+mn-lt"/>
+                <a:ea typeface="+mn-ea"/>
+                <a:cs typeface="+mn-cs"/>
+              </a:defRPr>
+            </a:lvl9pPr>
+          </a:lstStyle>
+          <a:p>
+            <a:pPr>
+              <a:buNone/>
+            </a:pPr>
+            <a:r>
+              <a:rPr lang="pt-BR" sz="1600" b="1" dirty="0"/>
+              <a:t>1 INTRODUÇÃO</a:t>
+            </a:r>
+          </a:p>
+          <a:p>
+            <a:pPr>
+              <a:buNone/>
+            </a:pPr>
+            <a:r>
+              <a:rPr lang="pt-BR" sz="1600" b="1" dirty="0"/>
+              <a:t>2 LEVANTAMENTO DE REQUISITOS</a:t>
+            </a:r>
+          </a:p>
+          <a:p>
+            <a:pPr>
+              <a:buNone/>
+            </a:pPr>
+            <a:r>
+              <a:rPr lang="pt-BR" sz="1600" dirty="0"/>
+              <a:t>2.1 Empresa</a:t>
+            </a:r>
+          </a:p>
+          <a:p>
+            <a:pPr>
+              <a:buNone/>
+            </a:pPr>
+            <a:r>
+              <a:rPr lang="pt-BR" sz="1600" dirty="0"/>
+              <a:t>2.2 Problemas identificados</a:t>
+            </a:r>
+          </a:p>
+          <a:p>
+            <a:pPr>
+              <a:buNone/>
+            </a:pPr>
+            <a:r>
+              <a:rPr lang="pt-BR" sz="1600" dirty="0"/>
+              <a:t>2.3 Propósito do sistema</a:t>
+            </a:r>
+          </a:p>
+          <a:p>
+            <a:pPr>
+              <a:buNone/>
+            </a:pPr>
+            <a:r>
+              <a:rPr lang="pt-BR" sz="1600" b="1" dirty="0"/>
+              <a:t>3 REQUISITOS DO SISTEMA	</a:t>
+            </a:r>
+          </a:p>
+          <a:p>
+            <a:pPr>
+              <a:buNone/>
+            </a:pPr>
+            <a:r>
+              <a:rPr lang="pt-BR" sz="1600" dirty="0"/>
+              <a:t>3.1 Lista de atores do sistema</a:t>
+            </a:r>
+          </a:p>
+          <a:p>
+            <a:pPr>
+              <a:buNone/>
+            </a:pPr>
+            <a:r>
+              <a:rPr lang="pt-BR" sz="1600" dirty="0"/>
+              <a:t>3.2 Lista de casos de uso</a:t>
+            </a:r>
+          </a:p>
+          <a:p>
+            <a:pPr>
+              <a:buNone/>
+            </a:pPr>
+            <a:r>
+              <a:rPr lang="pt-BR" sz="1600" dirty="0"/>
+              <a:t>3.3 Diagrama de contexto do sistema</a:t>
+            </a:r>
+          </a:p>
+          <a:p>
+            <a:pPr>
+              <a:buNone/>
+            </a:pPr>
+            <a:r>
+              <a:rPr lang="pt-BR" sz="1600" dirty="0"/>
+              <a:t>3.4 Representação e documentação dos diagramas de casos de uso (até 3)</a:t>
+            </a:r>
+          </a:p>
+          <a:p>
+            <a:pPr>
+              <a:buNone/>
+            </a:pPr>
+            <a:r>
+              <a:rPr lang="pt-BR" sz="1600" b="1" dirty="0"/>
+              <a:t>4 ANÁLISE ORIENTADA A OBJETO</a:t>
+            </a:r>
+          </a:p>
+          <a:p>
+            <a:pPr>
+              <a:buNone/>
+            </a:pPr>
+            <a:r>
+              <a:rPr lang="pt-BR" sz="1600" dirty="0"/>
+              <a:t>4.1 Diagrama de classes</a:t>
+            </a:r>
+          </a:p>
+          <a:p>
+            <a:pPr>
+              <a:buNone/>
+            </a:pPr>
+            <a:r>
+              <a:rPr lang="pt-BR" sz="1600" dirty="0"/>
+              <a:t>4.2 Diagrama de sequências (até 3)</a:t>
+            </a:r>
+          </a:p>
+          <a:p>
+            <a:pPr>
+              <a:buNone/>
+            </a:pPr>
+            <a:r>
+              <a:rPr lang="pt-BR" sz="1600" b="1" dirty="0"/>
+              <a:t>5 ESPECIFICAÇÃO DOS LAYOUTS</a:t>
+            </a:r>
+          </a:p>
+          <a:p>
+            <a:pPr>
+              <a:buNone/>
+            </a:pPr>
+            <a:r>
+              <a:rPr lang="pt-BR" sz="1600" dirty="0"/>
+              <a:t>5.1 Layout da página principal</a:t>
+            </a:r>
+          </a:p>
+          <a:p>
+            <a:pPr>
+              <a:buNone/>
+            </a:pPr>
+            <a:r>
+              <a:rPr lang="pt-BR" sz="1600" dirty="0"/>
+              <a:t>5.2 Mapa do site</a:t>
+            </a:r>
+          </a:p>
+        </p:txBody>
+      </p:sp>
+    </p:spTree>
+    <p:extLst>
+      <p:ext uri="{BB962C8B-B14F-4D97-AF65-F5344CB8AC3E}">
+        <p14:creationId xmlns:p14="http://schemas.microsoft.com/office/powerpoint/2010/main" val="1333173461"/>
       </p:ext>
     </p:extLst>
   </p:cSld>
